--- a/Présentation 1er semestre/2016-12 Présentation coupe de France.pptx
+++ b/Présentation 1er semestre/2016-12 Présentation coupe de France.pptx
@@ -2816,21 +2816,21 @@
     </dgm:pt>
   </dgm:ptLst>
   <dgm:cxnLst>
+    <dgm:cxn modelId="{1488CF1C-39AC-4CB2-B5C8-E6A9A4BBD72B}" srcId="{5ECB0A3B-1654-4BCD-8495-C70431E577CE}" destId="{4345B4B3-18CE-4CA7-91FE-D8BADAC1EB24}" srcOrd="2" destOrd="0" parTransId="{89AC6606-5635-4CA8-9DA0-04C0504FDCE5}" sibTransId="{72803B38-4A6E-48F3-8EC2-B9E6D8293362}"/>
     <dgm:cxn modelId="{E9DD88E9-C9EC-4188-B17E-0014E0D7CADE}" type="presOf" srcId="{853FFBEA-FA8C-4252-BD7E-063D65BD34AD}" destId="{4B1AF461-5BD7-40BC-A114-6239BB975013}" srcOrd="0" destOrd="0" presId="urn:microsoft.com/office/officeart/2005/8/layout/vList5"/>
+    <dgm:cxn modelId="{3D07362A-1899-4E30-9078-78B542DBE61B}" srcId="{853FFBEA-FA8C-4252-BD7E-063D65BD34AD}" destId="{4DDAD266-F703-417D-B771-44CC6D250902}" srcOrd="1" destOrd="0" parTransId="{17F7C1DB-7DF5-410D-8A45-21850F52C3F8}" sibTransId="{46F14EDD-466E-4E42-B02C-3828015C95AC}"/>
+    <dgm:cxn modelId="{DC76363E-507D-48F4-9020-0CAD1ED5CF53}" srcId="{5ECB0A3B-1654-4BCD-8495-C70431E577CE}" destId="{853FFBEA-FA8C-4252-BD7E-063D65BD34AD}" srcOrd="0" destOrd="0" parTransId="{A1AA3D93-AA75-4910-85CB-2598C97C3A37}" sibTransId="{09F0C801-E9F5-49C7-B94B-F6C26EFAB3AB}"/>
+    <dgm:cxn modelId="{FEB653D6-604B-4E9E-BCFD-8AE3C406FCF1}" type="presOf" srcId="{4345B4B3-18CE-4CA7-91FE-D8BADAC1EB24}" destId="{C8B67B15-C1BD-4C99-9018-F10FE9D16C34}" srcOrd="0" destOrd="0" presId="urn:microsoft.com/office/officeart/2005/8/layout/vList5"/>
+    <dgm:cxn modelId="{5A71A2DE-968B-4965-9B2A-6101391944A6}" srcId="{361CE71E-2BDA-45B7-B2D8-80DE77D7E6A8}" destId="{0BA9B55A-BF3C-4E4E-9A5A-5FE2A0B73D78}" srcOrd="0" destOrd="0" parTransId="{C731C356-08AF-429C-8ED1-AB4B3E611AC1}" sibTransId="{F299C48F-3C4D-4730-893F-5007C70FB187}"/>
+    <dgm:cxn modelId="{24FD3677-C0C6-4225-95AD-55939B75E19E}" type="presOf" srcId="{5ECB0A3B-1654-4BCD-8495-C70431E577CE}" destId="{5E3145BA-7554-4F1A-87F1-22E2889AAA36}" srcOrd="0" destOrd="0" presId="urn:microsoft.com/office/officeart/2005/8/layout/vList5"/>
+    <dgm:cxn modelId="{67B0A22D-9265-43E7-BFFA-26449EAC1503}" srcId="{853FFBEA-FA8C-4252-BD7E-063D65BD34AD}" destId="{D80B2EFA-DB39-48DC-B933-234E629B5028}" srcOrd="0" destOrd="0" parTransId="{69848BF7-44D4-4BF6-A435-52087CC4EC00}" sibTransId="{ABDB8024-D873-4E6B-9852-07A2DFADA028}"/>
     <dgm:cxn modelId="{537A56B5-12BF-4576-B264-2108C3F15FDF}" type="presOf" srcId="{D80B2EFA-DB39-48DC-B933-234E629B5028}" destId="{D689913F-AA90-49D6-A92A-837F01F3979E}" srcOrd="0" destOrd="0" presId="urn:microsoft.com/office/officeart/2005/8/layout/vList5"/>
+    <dgm:cxn modelId="{0BEF811F-2CE8-4B5C-B69C-A67A0B2BF9B9}" srcId="{5ECB0A3B-1654-4BCD-8495-C70431E577CE}" destId="{361CE71E-2BDA-45B7-B2D8-80DE77D7E6A8}" srcOrd="1" destOrd="0" parTransId="{8729E612-2BBA-4FA1-B5DC-1C35B6DA7444}" sibTransId="{6DBD5C3C-3683-4D03-8A51-8B67FEBF3B0B}"/>
+    <dgm:cxn modelId="{B6AD1AD7-E2E8-45A6-8CAF-F8B7F497A359}" srcId="{4345B4B3-18CE-4CA7-91FE-D8BADAC1EB24}" destId="{F3D5CE0B-7EFC-44AA-99D3-D4857CBB2E23}" srcOrd="0" destOrd="0" parTransId="{FAEA8995-EE82-48A1-AF78-2230D77EFCD6}" sibTransId="{C345E3B5-9640-4188-86B8-BA62A1288BD8}"/>
+    <dgm:cxn modelId="{1B3C9103-6C20-41E8-B364-3538ADA4C641}" type="presOf" srcId="{F3D5CE0B-7EFC-44AA-99D3-D4857CBB2E23}" destId="{415FBB49-A88A-4ACB-9409-0B36B1C14FF8}" srcOrd="0" destOrd="0" presId="urn:microsoft.com/office/officeart/2005/8/layout/vList5"/>
     <dgm:cxn modelId="{99007B3E-4DC1-4318-B42E-256A44D8CE08}" type="presOf" srcId="{4DDAD266-F703-417D-B771-44CC6D250902}" destId="{D689913F-AA90-49D6-A92A-837F01F3979E}" srcOrd="0" destOrd="1" presId="urn:microsoft.com/office/officeart/2005/8/layout/vList5"/>
-    <dgm:cxn modelId="{24FD3677-C0C6-4225-95AD-55939B75E19E}" type="presOf" srcId="{5ECB0A3B-1654-4BCD-8495-C70431E577CE}" destId="{5E3145BA-7554-4F1A-87F1-22E2889AAA36}" srcOrd="0" destOrd="0" presId="urn:microsoft.com/office/officeart/2005/8/layout/vList5"/>
-    <dgm:cxn modelId="{1B3C9103-6C20-41E8-B364-3538ADA4C641}" type="presOf" srcId="{F3D5CE0B-7EFC-44AA-99D3-D4857CBB2E23}" destId="{415FBB49-A88A-4ACB-9409-0B36B1C14FF8}" srcOrd="0" destOrd="0" presId="urn:microsoft.com/office/officeart/2005/8/layout/vList5"/>
-    <dgm:cxn modelId="{DC76363E-507D-48F4-9020-0CAD1ED5CF53}" srcId="{5ECB0A3B-1654-4BCD-8495-C70431E577CE}" destId="{853FFBEA-FA8C-4252-BD7E-063D65BD34AD}" srcOrd="0" destOrd="0" parTransId="{A1AA3D93-AA75-4910-85CB-2598C97C3A37}" sibTransId="{09F0C801-E9F5-49C7-B94B-F6C26EFAB3AB}"/>
-    <dgm:cxn modelId="{1488CF1C-39AC-4CB2-B5C8-E6A9A4BBD72B}" srcId="{5ECB0A3B-1654-4BCD-8495-C70431E577CE}" destId="{4345B4B3-18CE-4CA7-91FE-D8BADAC1EB24}" srcOrd="2" destOrd="0" parTransId="{89AC6606-5635-4CA8-9DA0-04C0504FDCE5}" sibTransId="{72803B38-4A6E-48F3-8EC2-B9E6D8293362}"/>
-    <dgm:cxn modelId="{0BEF811F-2CE8-4B5C-B69C-A67A0B2BF9B9}" srcId="{5ECB0A3B-1654-4BCD-8495-C70431E577CE}" destId="{361CE71E-2BDA-45B7-B2D8-80DE77D7E6A8}" srcOrd="1" destOrd="0" parTransId="{8729E612-2BBA-4FA1-B5DC-1C35B6DA7444}" sibTransId="{6DBD5C3C-3683-4D03-8A51-8B67FEBF3B0B}"/>
     <dgm:cxn modelId="{684108E6-B1C6-41C7-B0D2-7CCEAB0A3610}" type="presOf" srcId="{0BA9B55A-BF3C-4E4E-9A5A-5FE2A0B73D78}" destId="{7EE263A1-6A89-41C4-BEEA-EB3B487BB053}" srcOrd="0" destOrd="0" presId="urn:microsoft.com/office/officeart/2005/8/layout/vList5"/>
-    <dgm:cxn modelId="{5A71A2DE-968B-4965-9B2A-6101391944A6}" srcId="{361CE71E-2BDA-45B7-B2D8-80DE77D7E6A8}" destId="{0BA9B55A-BF3C-4E4E-9A5A-5FE2A0B73D78}" srcOrd="0" destOrd="0" parTransId="{C731C356-08AF-429C-8ED1-AB4B3E611AC1}" sibTransId="{F299C48F-3C4D-4730-893F-5007C70FB187}"/>
     <dgm:cxn modelId="{F266BF6E-D743-4FB1-B38B-828EC01D1A7C}" type="presOf" srcId="{361CE71E-2BDA-45B7-B2D8-80DE77D7E6A8}" destId="{4336B3E8-B6CD-4247-8A1A-F6C0B755238E}" srcOrd="0" destOrd="0" presId="urn:microsoft.com/office/officeart/2005/8/layout/vList5"/>
-    <dgm:cxn modelId="{67B0A22D-9265-43E7-BFFA-26449EAC1503}" srcId="{853FFBEA-FA8C-4252-BD7E-063D65BD34AD}" destId="{D80B2EFA-DB39-48DC-B933-234E629B5028}" srcOrd="0" destOrd="0" parTransId="{69848BF7-44D4-4BF6-A435-52087CC4EC00}" sibTransId="{ABDB8024-D873-4E6B-9852-07A2DFADA028}"/>
-    <dgm:cxn modelId="{3D07362A-1899-4E30-9078-78B542DBE61B}" srcId="{853FFBEA-FA8C-4252-BD7E-063D65BD34AD}" destId="{4DDAD266-F703-417D-B771-44CC6D250902}" srcOrd="1" destOrd="0" parTransId="{17F7C1DB-7DF5-410D-8A45-21850F52C3F8}" sibTransId="{46F14EDD-466E-4E42-B02C-3828015C95AC}"/>
-    <dgm:cxn modelId="{B6AD1AD7-E2E8-45A6-8CAF-F8B7F497A359}" srcId="{4345B4B3-18CE-4CA7-91FE-D8BADAC1EB24}" destId="{F3D5CE0B-7EFC-44AA-99D3-D4857CBB2E23}" srcOrd="0" destOrd="0" parTransId="{FAEA8995-EE82-48A1-AF78-2230D77EFCD6}" sibTransId="{C345E3B5-9640-4188-86B8-BA62A1288BD8}"/>
-    <dgm:cxn modelId="{FEB653D6-604B-4E9E-BCFD-8AE3C406FCF1}" type="presOf" srcId="{4345B4B3-18CE-4CA7-91FE-D8BADAC1EB24}" destId="{C8B67B15-C1BD-4C99-9018-F10FE9D16C34}" srcOrd="0" destOrd="0" presId="urn:microsoft.com/office/officeart/2005/8/layout/vList5"/>
     <dgm:cxn modelId="{70181CAC-6F6C-4E95-A45D-D4E623FE0AA5}" type="presParOf" srcId="{5E3145BA-7554-4F1A-87F1-22E2889AAA36}" destId="{64743224-69A3-45FD-A0D5-6B3DBC47C890}" srcOrd="0" destOrd="0" presId="urn:microsoft.com/office/officeart/2005/8/layout/vList5"/>
     <dgm:cxn modelId="{F63DB606-5A76-49D7-8C1C-AEBDBA141737}" type="presParOf" srcId="{64743224-69A3-45FD-A0D5-6B3DBC47C890}" destId="{4B1AF461-5BD7-40BC-A114-6239BB975013}" srcOrd="0" destOrd="0" presId="urn:microsoft.com/office/officeart/2005/8/layout/vList5"/>
     <dgm:cxn modelId="{C3654DF5-076F-415E-B868-00CD95871BF3}" type="presParOf" srcId="{64743224-69A3-45FD-A0D5-6B3DBC47C890}" destId="{D689913F-AA90-49D6-A92A-837F01F3979E}" srcOrd="1" destOrd="0" presId="urn:microsoft.com/office/officeart/2005/8/layout/vList5"/>
@@ -2922,9 +2922,9 @@
     </dgm:pt>
   </dgm:ptLst>
   <dgm:cxnLst>
+    <dgm:cxn modelId="{FCAF4BA2-78A3-4B77-A331-80721FC92061}" type="presOf" srcId="{128E88FA-6397-4415-B4DD-2DEB6EE443E8}" destId="{A0C6F754-5A00-42D2-8E1E-1CFFC285D709}" srcOrd="0" destOrd="0" presId="urn:microsoft.com/office/officeart/2005/8/layout/default"/>
     <dgm:cxn modelId="{2D684DB7-18C4-4728-9A7D-454C2230A31E}" srcId="{763E9B8C-E9D9-471E-A129-2EAE91CF5219}" destId="{128E88FA-6397-4415-B4DD-2DEB6EE443E8}" srcOrd="0" destOrd="0" parTransId="{D6E472F1-E564-4890-9A3D-7D16C7116100}" sibTransId="{E06B0830-1AD6-4717-9130-C16386799ED5}"/>
     <dgm:cxn modelId="{4531E7BC-CBA1-436A-9D61-AF7458D48D65}" type="presOf" srcId="{763E9B8C-E9D9-471E-A129-2EAE91CF5219}" destId="{90B828DC-5B32-404F-8E3F-4350E039BC2A}" srcOrd="0" destOrd="0" presId="urn:microsoft.com/office/officeart/2005/8/layout/default"/>
-    <dgm:cxn modelId="{FCAF4BA2-78A3-4B77-A331-80721FC92061}" type="presOf" srcId="{128E88FA-6397-4415-B4DD-2DEB6EE443E8}" destId="{A0C6F754-5A00-42D2-8E1E-1CFFC285D709}" srcOrd="0" destOrd="0" presId="urn:microsoft.com/office/officeart/2005/8/layout/default"/>
     <dgm:cxn modelId="{AEF2FD4B-5BE9-4F02-AD4C-955917CA937F}" type="presParOf" srcId="{90B828DC-5B32-404F-8E3F-4350E039BC2A}" destId="{A0C6F754-5A00-42D2-8E1E-1CFFC285D709}" srcOrd="0" destOrd="0" presId="urn:microsoft.com/office/officeart/2005/8/layout/default"/>
   </dgm:cxnLst>
   <dgm:bg/>
@@ -14287,6 +14287,75 @@
           </a:prstGeom>
         </p:spPr>
       </p:pic>
+      <p:pic>
+        <p:nvPicPr>
+          <p:cNvPr id="3" name="Image 2"/>
+          <p:cNvPicPr>
+            <a:picLocks noChangeAspect="1"/>
+          </p:cNvPicPr>
+          <p:nvPr/>
+        </p:nvPicPr>
+        <p:blipFill>
+          <a:blip r:embed="rId4" cstate="print">
+            <a:extLst>
+              <a:ext uri="{28A0092B-C50C-407E-A947-70E740481C1C}">
+                <a14:useLocalDpi xmlns:a14="http://schemas.microsoft.com/office/drawing/2010/main" val="0"/>
+              </a:ext>
+            </a:extLst>
+          </a:blip>
+          <a:stretch>
+            <a:fillRect/>
+          </a:stretch>
+        </p:blipFill>
+        <p:spPr>
+          <a:xfrm>
+            <a:off x="611560" y="2195017"/>
+            <a:ext cx="5464577" cy="3613672"/>
+          </a:xfrm>
+          <a:prstGeom prst="rect">
+            <a:avLst/>
+          </a:prstGeom>
+        </p:spPr>
+      </p:pic>
+      <p:pic>
+        <p:nvPicPr>
+          <p:cNvPr id="5" name="Image 4"/>
+          <p:cNvPicPr>
+            <a:picLocks noChangeAspect="1"/>
+          </p:cNvPicPr>
+          <p:nvPr/>
+        </p:nvPicPr>
+        <p:blipFill>
+          <a:blip r:embed="rId5" cstate="print">
+            <a:extLst>
+              <a:ext uri="{28A0092B-C50C-407E-A947-70E740481C1C}">
+                <a14:useLocalDpi xmlns:a14="http://schemas.microsoft.com/office/drawing/2010/main" val="0"/>
+              </a:ext>
+            </a:extLst>
+          </a:blip>
+          <a:stretch>
+            <a:fillRect/>
+          </a:stretch>
+        </p:blipFill>
+        <p:spPr>
+          <a:xfrm rot="5400000">
+            <a:off x="7564957" y="2646726"/>
+            <a:ext cx="3613673" cy="2710255"/>
+          </a:xfrm>
+          <a:prstGeom prst="rect">
+            <a:avLst/>
+          </a:prstGeom>
+          <a:effectLst>
+            <a:glow rad="63500">
+              <a:schemeClr val="accent1">
+                <a:satMod val="175000"/>
+                <a:alpha val="40000"/>
+              </a:schemeClr>
+            </a:glow>
+            <a:softEdge rad="12700"/>
+          </a:effectLst>
+        </p:spPr>
+      </p:pic>
     </p:spTree>
     <p:extLst>
       <p:ext uri="{BB962C8B-B14F-4D97-AF65-F5344CB8AC3E}">
@@ -16957,8 +17026,8 @@
         </p:blipFill>
         <p:spPr>
           <a:xfrm>
-            <a:off x="611560" y="1325563"/>
-            <a:ext cx="5229150" cy="2941400"/>
+            <a:off x="611560" y="1768197"/>
+            <a:ext cx="5361950" cy="3101158"/>
           </a:xfrm>
           <a:prstGeom prst="rect">
             <a:avLst/>
@@ -16969,6 +17038,36 @@
           <a:effectLst>
             <a:softEdge rad="112500"/>
           </a:effectLst>
+        </p:spPr>
+      </p:pic>
+      <p:pic>
+        <p:nvPicPr>
+          <p:cNvPr id="3" name="Image 2"/>
+          <p:cNvPicPr>
+            <a:picLocks noChangeAspect="1"/>
+          </p:cNvPicPr>
+          <p:nvPr/>
+        </p:nvPicPr>
+        <p:blipFill>
+          <a:blip r:embed="rId5">
+            <a:extLst>
+              <a:ext uri="{28A0092B-C50C-407E-A947-70E740481C1C}">
+                <a14:useLocalDpi xmlns:a14="http://schemas.microsoft.com/office/drawing/2010/main" val="0"/>
+              </a:ext>
+            </a:extLst>
+          </a:blip>
+          <a:stretch>
+            <a:fillRect/>
+          </a:stretch>
+        </p:blipFill>
+        <p:spPr>
+          <a:xfrm>
+            <a:off x="6914070" y="1891467"/>
+            <a:ext cx="3756303" cy="2977888"/>
+          </a:xfrm>
+          <a:prstGeom prst="rect">
+            <a:avLst/>
+          </a:prstGeom>
         </p:spPr>
       </p:pic>
     </p:spTree>

--- a/Présentation 1er semestre/2016-12 Présentation coupe de France.pptx
+++ b/Présentation 1er semestre/2016-12 Présentation coupe de France.pptx
@@ -2816,21 +2816,21 @@
     </dgm:pt>
   </dgm:ptLst>
   <dgm:cxnLst>
+    <dgm:cxn modelId="{B6AD1AD7-E2E8-45A6-8CAF-F8B7F497A359}" srcId="{4345B4B3-18CE-4CA7-91FE-D8BADAC1EB24}" destId="{F3D5CE0B-7EFC-44AA-99D3-D4857CBB2E23}" srcOrd="0" destOrd="0" parTransId="{FAEA8995-EE82-48A1-AF78-2230D77EFCD6}" sibTransId="{C345E3B5-9640-4188-86B8-BA62A1288BD8}"/>
+    <dgm:cxn modelId="{24FD3677-C0C6-4225-95AD-55939B75E19E}" type="presOf" srcId="{5ECB0A3B-1654-4BCD-8495-C70431E577CE}" destId="{5E3145BA-7554-4F1A-87F1-22E2889AAA36}" srcOrd="0" destOrd="0" presId="urn:microsoft.com/office/officeart/2005/8/layout/vList5"/>
+    <dgm:cxn modelId="{537A56B5-12BF-4576-B264-2108C3F15FDF}" type="presOf" srcId="{D80B2EFA-DB39-48DC-B933-234E629B5028}" destId="{D689913F-AA90-49D6-A92A-837F01F3979E}" srcOrd="0" destOrd="0" presId="urn:microsoft.com/office/officeart/2005/8/layout/vList5"/>
+    <dgm:cxn modelId="{F266BF6E-D743-4FB1-B38B-828EC01D1A7C}" type="presOf" srcId="{361CE71E-2BDA-45B7-B2D8-80DE77D7E6A8}" destId="{4336B3E8-B6CD-4247-8A1A-F6C0B755238E}" srcOrd="0" destOrd="0" presId="urn:microsoft.com/office/officeart/2005/8/layout/vList5"/>
+    <dgm:cxn modelId="{99007B3E-4DC1-4318-B42E-256A44D8CE08}" type="presOf" srcId="{4DDAD266-F703-417D-B771-44CC6D250902}" destId="{D689913F-AA90-49D6-A92A-837F01F3979E}" srcOrd="0" destOrd="1" presId="urn:microsoft.com/office/officeart/2005/8/layout/vList5"/>
+    <dgm:cxn modelId="{E9DD88E9-C9EC-4188-B17E-0014E0D7CADE}" type="presOf" srcId="{853FFBEA-FA8C-4252-BD7E-063D65BD34AD}" destId="{4B1AF461-5BD7-40BC-A114-6239BB975013}" srcOrd="0" destOrd="0" presId="urn:microsoft.com/office/officeart/2005/8/layout/vList5"/>
+    <dgm:cxn modelId="{5A71A2DE-968B-4965-9B2A-6101391944A6}" srcId="{361CE71E-2BDA-45B7-B2D8-80DE77D7E6A8}" destId="{0BA9B55A-BF3C-4E4E-9A5A-5FE2A0B73D78}" srcOrd="0" destOrd="0" parTransId="{C731C356-08AF-429C-8ED1-AB4B3E611AC1}" sibTransId="{F299C48F-3C4D-4730-893F-5007C70FB187}"/>
+    <dgm:cxn modelId="{684108E6-B1C6-41C7-B0D2-7CCEAB0A3610}" type="presOf" srcId="{0BA9B55A-BF3C-4E4E-9A5A-5FE2A0B73D78}" destId="{7EE263A1-6A89-41C4-BEEA-EB3B487BB053}" srcOrd="0" destOrd="0" presId="urn:microsoft.com/office/officeart/2005/8/layout/vList5"/>
+    <dgm:cxn modelId="{67B0A22D-9265-43E7-BFFA-26449EAC1503}" srcId="{853FFBEA-FA8C-4252-BD7E-063D65BD34AD}" destId="{D80B2EFA-DB39-48DC-B933-234E629B5028}" srcOrd="0" destOrd="0" parTransId="{69848BF7-44D4-4BF6-A435-52087CC4EC00}" sibTransId="{ABDB8024-D873-4E6B-9852-07A2DFADA028}"/>
+    <dgm:cxn modelId="{3D07362A-1899-4E30-9078-78B542DBE61B}" srcId="{853FFBEA-FA8C-4252-BD7E-063D65BD34AD}" destId="{4DDAD266-F703-417D-B771-44CC6D250902}" srcOrd="1" destOrd="0" parTransId="{17F7C1DB-7DF5-410D-8A45-21850F52C3F8}" sibTransId="{46F14EDD-466E-4E42-B02C-3828015C95AC}"/>
+    <dgm:cxn modelId="{FEB653D6-604B-4E9E-BCFD-8AE3C406FCF1}" type="presOf" srcId="{4345B4B3-18CE-4CA7-91FE-D8BADAC1EB24}" destId="{C8B67B15-C1BD-4C99-9018-F10FE9D16C34}" srcOrd="0" destOrd="0" presId="urn:microsoft.com/office/officeart/2005/8/layout/vList5"/>
+    <dgm:cxn modelId="{1B3C9103-6C20-41E8-B364-3538ADA4C641}" type="presOf" srcId="{F3D5CE0B-7EFC-44AA-99D3-D4857CBB2E23}" destId="{415FBB49-A88A-4ACB-9409-0B36B1C14FF8}" srcOrd="0" destOrd="0" presId="urn:microsoft.com/office/officeart/2005/8/layout/vList5"/>
+    <dgm:cxn modelId="{0BEF811F-2CE8-4B5C-B69C-A67A0B2BF9B9}" srcId="{5ECB0A3B-1654-4BCD-8495-C70431E577CE}" destId="{361CE71E-2BDA-45B7-B2D8-80DE77D7E6A8}" srcOrd="1" destOrd="0" parTransId="{8729E612-2BBA-4FA1-B5DC-1C35B6DA7444}" sibTransId="{6DBD5C3C-3683-4D03-8A51-8B67FEBF3B0B}"/>
     <dgm:cxn modelId="{1488CF1C-39AC-4CB2-B5C8-E6A9A4BBD72B}" srcId="{5ECB0A3B-1654-4BCD-8495-C70431E577CE}" destId="{4345B4B3-18CE-4CA7-91FE-D8BADAC1EB24}" srcOrd="2" destOrd="0" parTransId="{89AC6606-5635-4CA8-9DA0-04C0504FDCE5}" sibTransId="{72803B38-4A6E-48F3-8EC2-B9E6D8293362}"/>
-    <dgm:cxn modelId="{E9DD88E9-C9EC-4188-B17E-0014E0D7CADE}" type="presOf" srcId="{853FFBEA-FA8C-4252-BD7E-063D65BD34AD}" destId="{4B1AF461-5BD7-40BC-A114-6239BB975013}" srcOrd="0" destOrd="0" presId="urn:microsoft.com/office/officeart/2005/8/layout/vList5"/>
-    <dgm:cxn modelId="{3D07362A-1899-4E30-9078-78B542DBE61B}" srcId="{853FFBEA-FA8C-4252-BD7E-063D65BD34AD}" destId="{4DDAD266-F703-417D-B771-44CC6D250902}" srcOrd="1" destOrd="0" parTransId="{17F7C1DB-7DF5-410D-8A45-21850F52C3F8}" sibTransId="{46F14EDD-466E-4E42-B02C-3828015C95AC}"/>
     <dgm:cxn modelId="{DC76363E-507D-48F4-9020-0CAD1ED5CF53}" srcId="{5ECB0A3B-1654-4BCD-8495-C70431E577CE}" destId="{853FFBEA-FA8C-4252-BD7E-063D65BD34AD}" srcOrd="0" destOrd="0" parTransId="{A1AA3D93-AA75-4910-85CB-2598C97C3A37}" sibTransId="{09F0C801-E9F5-49C7-B94B-F6C26EFAB3AB}"/>
-    <dgm:cxn modelId="{FEB653D6-604B-4E9E-BCFD-8AE3C406FCF1}" type="presOf" srcId="{4345B4B3-18CE-4CA7-91FE-D8BADAC1EB24}" destId="{C8B67B15-C1BD-4C99-9018-F10FE9D16C34}" srcOrd="0" destOrd="0" presId="urn:microsoft.com/office/officeart/2005/8/layout/vList5"/>
-    <dgm:cxn modelId="{5A71A2DE-968B-4965-9B2A-6101391944A6}" srcId="{361CE71E-2BDA-45B7-B2D8-80DE77D7E6A8}" destId="{0BA9B55A-BF3C-4E4E-9A5A-5FE2A0B73D78}" srcOrd="0" destOrd="0" parTransId="{C731C356-08AF-429C-8ED1-AB4B3E611AC1}" sibTransId="{F299C48F-3C4D-4730-893F-5007C70FB187}"/>
-    <dgm:cxn modelId="{24FD3677-C0C6-4225-95AD-55939B75E19E}" type="presOf" srcId="{5ECB0A3B-1654-4BCD-8495-C70431E577CE}" destId="{5E3145BA-7554-4F1A-87F1-22E2889AAA36}" srcOrd="0" destOrd="0" presId="urn:microsoft.com/office/officeart/2005/8/layout/vList5"/>
-    <dgm:cxn modelId="{67B0A22D-9265-43E7-BFFA-26449EAC1503}" srcId="{853FFBEA-FA8C-4252-BD7E-063D65BD34AD}" destId="{D80B2EFA-DB39-48DC-B933-234E629B5028}" srcOrd="0" destOrd="0" parTransId="{69848BF7-44D4-4BF6-A435-52087CC4EC00}" sibTransId="{ABDB8024-D873-4E6B-9852-07A2DFADA028}"/>
-    <dgm:cxn modelId="{537A56B5-12BF-4576-B264-2108C3F15FDF}" type="presOf" srcId="{D80B2EFA-DB39-48DC-B933-234E629B5028}" destId="{D689913F-AA90-49D6-A92A-837F01F3979E}" srcOrd="0" destOrd="0" presId="urn:microsoft.com/office/officeart/2005/8/layout/vList5"/>
-    <dgm:cxn modelId="{0BEF811F-2CE8-4B5C-B69C-A67A0B2BF9B9}" srcId="{5ECB0A3B-1654-4BCD-8495-C70431E577CE}" destId="{361CE71E-2BDA-45B7-B2D8-80DE77D7E6A8}" srcOrd="1" destOrd="0" parTransId="{8729E612-2BBA-4FA1-B5DC-1C35B6DA7444}" sibTransId="{6DBD5C3C-3683-4D03-8A51-8B67FEBF3B0B}"/>
-    <dgm:cxn modelId="{B6AD1AD7-E2E8-45A6-8CAF-F8B7F497A359}" srcId="{4345B4B3-18CE-4CA7-91FE-D8BADAC1EB24}" destId="{F3D5CE0B-7EFC-44AA-99D3-D4857CBB2E23}" srcOrd="0" destOrd="0" parTransId="{FAEA8995-EE82-48A1-AF78-2230D77EFCD6}" sibTransId="{C345E3B5-9640-4188-86B8-BA62A1288BD8}"/>
-    <dgm:cxn modelId="{1B3C9103-6C20-41E8-B364-3538ADA4C641}" type="presOf" srcId="{F3D5CE0B-7EFC-44AA-99D3-D4857CBB2E23}" destId="{415FBB49-A88A-4ACB-9409-0B36B1C14FF8}" srcOrd="0" destOrd="0" presId="urn:microsoft.com/office/officeart/2005/8/layout/vList5"/>
-    <dgm:cxn modelId="{99007B3E-4DC1-4318-B42E-256A44D8CE08}" type="presOf" srcId="{4DDAD266-F703-417D-B771-44CC6D250902}" destId="{D689913F-AA90-49D6-A92A-837F01F3979E}" srcOrd="0" destOrd="1" presId="urn:microsoft.com/office/officeart/2005/8/layout/vList5"/>
-    <dgm:cxn modelId="{684108E6-B1C6-41C7-B0D2-7CCEAB0A3610}" type="presOf" srcId="{0BA9B55A-BF3C-4E4E-9A5A-5FE2A0B73D78}" destId="{7EE263A1-6A89-41C4-BEEA-EB3B487BB053}" srcOrd="0" destOrd="0" presId="urn:microsoft.com/office/officeart/2005/8/layout/vList5"/>
-    <dgm:cxn modelId="{F266BF6E-D743-4FB1-B38B-828EC01D1A7C}" type="presOf" srcId="{361CE71E-2BDA-45B7-B2D8-80DE77D7E6A8}" destId="{4336B3E8-B6CD-4247-8A1A-F6C0B755238E}" srcOrd="0" destOrd="0" presId="urn:microsoft.com/office/officeart/2005/8/layout/vList5"/>
     <dgm:cxn modelId="{70181CAC-6F6C-4E95-A45D-D4E623FE0AA5}" type="presParOf" srcId="{5E3145BA-7554-4F1A-87F1-22E2889AAA36}" destId="{64743224-69A3-45FD-A0D5-6B3DBC47C890}" srcOrd="0" destOrd="0" presId="urn:microsoft.com/office/officeart/2005/8/layout/vList5"/>
     <dgm:cxn modelId="{F63DB606-5A76-49D7-8C1C-AEBDBA141737}" type="presParOf" srcId="{64743224-69A3-45FD-A0D5-6B3DBC47C890}" destId="{4B1AF461-5BD7-40BC-A114-6239BB975013}" srcOrd="0" destOrd="0" presId="urn:microsoft.com/office/officeart/2005/8/layout/vList5"/>
     <dgm:cxn modelId="{C3654DF5-076F-415E-B868-00CD95871BF3}" type="presParOf" srcId="{64743224-69A3-45FD-A0D5-6B3DBC47C890}" destId="{D689913F-AA90-49D6-A92A-837F01F3979E}" srcOrd="1" destOrd="0" presId="urn:microsoft.com/office/officeart/2005/8/layout/vList5"/>
@@ -14309,7 +14309,7 @@
         </p:blipFill>
         <p:spPr>
           <a:xfrm>
-            <a:off x="611560" y="2195017"/>
+            <a:off x="1162166" y="2034120"/>
             <a:ext cx="5464577" cy="3613672"/>
           </a:xfrm>
           <a:prstGeom prst="rect">
@@ -14339,20 +14339,17 @@
         </p:blipFill>
         <p:spPr>
           <a:xfrm rot="5400000">
-            <a:off x="7564957" y="2646726"/>
+            <a:off x="7701691" y="2485829"/>
             <a:ext cx="3613673" cy="2710255"/>
           </a:xfrm>
           <a:prstGeom prst="rect">
             <a:avLst/>
           </a:prstGeom>
+          <a:ln>
+            <a:noFill/>
+          </a:ln>
           <a:effectLst>
-            <a:glow rad="63500">
-              <a:schemeClr val="accent1">
-                <a:satMod val="175000"/>
-                <a:alpha val="40000"/>
-              </a:schemeClr>
-            </a:glow>
-            <a:softEdge rad="12700"/>
+            <a:softEdge rad="112500"/>
           </a:effectLst>
         </p:spPr>
       </p:pic>
@@ -17012,13 +17009,19 @@
       </p:pic>
       <p:pic>
         <p:nvPicPr>
-          <p:cNvPr id="9" name="Shape 209"/>
-          <p:cNvPicPr preferRelativeResize="0"/>
+          <p:cNvPr id="3" name="Image 2"/>
+          <p:cNvPicPr>
+            <a:picLocks noChangeAspect="1"/>
+          </p:cNvPicPr>
           <p:nvPr/>
         </p:nvPicPr>
         <p:blipFill>
           <a:blip r:embed="rId4">
-            <a:alphaModFix/>
+            <a:extLst>
+              <a:ext uri="{28A0092B-C50C-407E-A947-70E740481C1C}">
+                <a14:useLocalDpi xmlns:a14="http://schemas.microsoft.com/office/drawing/2010/main" val="0"/>
+              </a:ext>
+            </a:extLst>
           </a:blip>
           <a:stretch>
             <a:fillRect/>
@@ -17026,8 +17029,8 @@
         </p:blipFill>
         <p:spPr>
           <a:xfrm>
-            <a:off x="611560" y="1768197"/>
-            <a:ext cx="5361950" cy="3101158"/>
+            <a:off x="7059561" y="1914649"/>
+            <a:ext cx="4294239" cy="3404348"/>
           </a:xfrm>
           <a:prstGeom prst="rect">
             <a:avLst/>
@@ -17042,7 +17045,7 @@
       </p:pic>
       <p:pic>
         <p:nvPicPr>
-          <p:cNvPr id="3" name="Image 2"/>
+          <p:cNvPr id="5" name="Image 4"/>
           <p:cNvPicPr>
             <a:picLocks noChangeAspect="1"/>
           </p:cNvPicPr>
@@ -17062,12 +17065,18 @@
         </p:blipFill>
         <p:spPr>
           <a:xfrm>
-            <a:off x="6914070" y="1891467"/>
-            <a:ext cx="3756303" cy="2977888"/>
+            <a:off x="611560" y="2188062"/>
+            <a:ext cx="3943379" cy="2857521"/>
           </a:xfrm>
           <a:prstGeom prst="rect">
             <a:avLst/>
           </a:prstGeom>
+          <a:ln>
+            <a:noFill/>
+          </a:ln>
+          <a:effectLst>
+            <a:softEdge rad="112500"/>
+          </a:effectLst>
         </p:spPr>
       </p:pic>
     </p:spTree>

--- a/Présentation 1er semestre/2016-12 Présentation coupe de France.pptx
+++ b/Présentation 1er semestre/2016-12 Présentation coupe de France.pptx
@@ -16928,7 +16928,7 @@
           <a:p>
             <a:r>
               <a:rPr lang="fr-FR" dirty="0"/>
-              <a:t>I.2 La pince</a:t>
+              <a:t>I.2 Le robot</a:t>
             </a:r>
           </a:p>
         </p:txBody>

--- a/Présentation 1er semestre/2016-12 Présentation coupe de France.pptx
+++ b/Présentation 1er semestre/2016-12 Présentation coupe de France.pptx
@@ -9633,9 +9633,147 @@
           <a:lstStyle/>
           <a:p>
             <a:r>
+              <a:rPr lang="fr-FR" sz="1200" kern="1200" dirty="0">
+                <a:solidFill>
+                  <a:schemeClr val="tx1"/>
+                </a:solidFill>
+                <a:effectLst/>
+                <a:latin typeface="+mn-lt"/>
+                <a:ea typeface="+mn-ea"/>
+                <a:cs typeface="+mn-cs"/>
+              </a:rPr>
+              <a:t>- Robot le plus réutilisable possible </a:t>
+            </a:r>
+          </a:p>
+          <a:p>
+            <a:r>
+              <a:rPr lang="fr-FR" sz="1200" kern="1200" dirty="0">
+                <a:solidFill>
+                  <a:schemeClr val="tx1"/>
+                </a:solidFill>
+                <a:effectLst/>
+                <a:latin typeface="+mn-lt"/>
+                <a:ea typeface="+mn-ea"/>
+                <a:cs typeface="+mn-cs"/>
+              </a:rPr>
+              <a:t>-</a:t>
+            </a:r>
+            <a:r>
+              <a:rPr lang="fr-FR" sz="1200" kern="1200" baseline="0" dirty="0">
+                <a:solidFill>
+                  <a:schemeClr val="tx1"/>
+                </a:solidFill>
+                <a:effectLst/>
+                <a:latin typeface="+mn-lt"/>
+                <a:ea typeface="+mn-ea"/>
+                <a:cs typeface="+mn-cs"/>
+              </a:rPr>
+              <a:t> </a:t>
+            </a:r>
+            <a:r>
+              <a:rPr lang="fr-FR" sz="1200" kern="1200" dirty="0">
+                <a:solidFill>
+                  <a:schemeClr val="tx1"/>
+                </a:solidFill>
+                <a:effectLst/>
+                <a:latin typeface="+mn-lt"/>
+                <a:ea typeface="+mn-ea"/>
+                <a:cs typeface="+mn-cs"/>
+              </a:rPr>
+              <a:t>Mise en place de documentation =&gt; on commente le code,</a:t>
+            </a:r>
+            <a:r>
+              <a:rPr lang="fr-FR" sz="1200" kern="1200" baseline="0" dirty="0">
+                <a:solidFill>
+                  <a:schemeClr val="tx1"/>
+                </a:solidFill>
+                <a:effectLst/>
+                <a:latin typeface="+mn-lt"/>
+                <a:ea typeface="+mn-ea"/>
+                <a:cs typeface="+mn-cs"/>
+              </a:rPr>
+              <a:t> on génère une documentation avec </a:t>
+            </a:r>
+            <a:r>
+              <a:rPr lang="fr-FR" sz="1200" kern="1200" baseline="0" dirty="0" err="1">
+                <a:solidFill>
+                  <a:schemeClr val="tx1"/>
+                </a:solidFill>
+                <a:effectLst/>
+                <a:latin typeface="+mn-lt"/>
+                <a:ea typeface="+mn-ea"/>
+                <a:cs typeface="+mn-cs"/>
+              </a:rPr>
+              <a:t>Doxygen</a:t>
+            </a:r>
+            <a:endParaRPr lang="fr-FR" sz="1200" kern="1200" baseline="0" dirty="0">
+              <a:solidFill>
+                <a:schemeClr val="tx1"/>
+              </a:solidFill>
+              <a:effectLst/>
+              <a:latin typeface="+mn-lt"/>
+              <a:ea typeface="+mn-ea"/>
+              <a:cs typeface="+mn-cs"/>
+            </a:endParaRPr>
+          </a:p>
+          <a:p>
+            <a:pPr marL="0" marR="0" lvl="0" indent="0" algn="l" defTabSz="914400" rtl="0" eaLnBrk="1" fontAlgn="auto" latinLnBrk="0" hangingPunct="1">
+              <a:lnSpc>
+                <a:spcPct val="100000"/>
+              </a:lnSpc>
+              <a:spcBef>
+                <a:spcPts val="0"/>
+              </a:spcBef>
+              <a:spcAft>
+                <a:spcPts val="0"/>
+              </a:spcAft>
+              <a:buClrTx/>
+              <a:buSzTx/>
+              <a:buFontTx/>
+              <a:buNone/>
+              <a:tabLst/>
+              <a:defRPr/>
+            </a:pPr>
+            <a:r>
+              <a:rPr lang="fr-FR" sz="1200" kern="1200" dirty="0">
+                <a:solidFill>
+                  <a:schemeClr val="tx1"/>
+                </a:solidFill>
+                <a:effectLst/>
+                <a:latin typeface="+mn-lt"/>
+                <a:ea typeface="+mn-ea"/>
+                <a:cs typeface="+mn-cs"/>
+              </a:rPr>
+              <a:t>-</a:t>
+            </a:r>
+            <a:r>
               <a:rPr lang="fr-FR" dirty="0"/>
-              <a:t>Commentaire</a:t>
+              <a:t> On utilise</a:t>
             </a:r>
+            <a:r>
+              <a:rPr lang="fr-FR" baseline="0" dirty="0"/>
+              <a:t> </a:t>
+            </a:r>
+            <a:r>
+              <a:rPr lang="fr-FR" baseline="0" dirty="0" err="1"/>
+              <a:t>github</a:t>
+            </a:r>
+            <a:r>
+              <a:rPr lang="fr-FR" baseline="0" dirty="0"/>
+              <a:t> pour sauvegarder tous nos fichiers</a:t>
+            </a:r>
+            <a:endParaRPr lang="fr-FR" dirty="0"/>
+          </a:p>
+          <a:p>
+            <a:endParaRPr lang="fr-FR" sz="1200" kern="1200" dirty="0">
+              <a:solidFill>
+                <a:schemeClr val="tx1"/>
+              </a:solidFill>
+              <a:effectLst/>
+              <a:latin typeface="+mn-lt"/>
+              <a:ea typeface="+mn-ea"/>
+              <a:cs typeface="+mn-cs"/>
+            </a:endParaRPr>
           </a:p>
           <a:p>
             <a:endParaRPr lang="fr-FR" dirty="0"/>
@@ -9723,8 +9861,30 @@
           <a:lstStyle/>
           <a:p>
             <a:r>
-              <a:rPr lang="fr-FR" dirty="0"/>
-              <a:t>Commentaire</a:t>
+              <a:rPr lang="fr-FR" sz="1200" kern="1200" dirty="0">
+                <a:solidFill>
+                  <a:schemeClr val="tx1"/>
+                </a:solidFill>
+                <a:effectLst/>
+                <a:latin typeface="+mn-lt"/>
+                <a:ea typeface="+mn-ea"/>
+                <a:cs typeface="+mn-cs"/>
+              </a:rPr>
+              <a:t>- Mise en place d’automatisme de documentation </a:t>
+            </a:r>
+          </a:p>
+          <a:p>
+            <a:r>
+              <a:rPr lang="fr-FR" sz="1200" kern="1200" dirty="0">
+                <a:solidFill>
+                  <a:schemeClr val="tx1"/>
+                </a:solidFill>
+                <a:effectLst/>
+                <a:latin typeface="+mn-lt"/>
+                <a:ea typeface="+mn-ea"/>
+                <a:cs typeface="+mn-cs"/>
+              </a:rPr>
+              <a:t>- Prise de photos et vidéos</a:t>
             </a:r>
           </a:p>
           <a:p>
@@ -10552,9 +10712,13 @@
           <a:bodyPr/>
           <a:lstStyle/>
           <a:p>
+            <a:pPr marL="171450" indent="-171450">
+              <a:buFontTx/>
+              <a:buChar char="-"/>
+            </a:pPr>
             <a:r>
               <a:rPr lang="fr-FR" dirty="0"/>
-              <a:t>  - Ecran </a:t>
+              <a:t>Ecran </a:t>
             </a:r>
             <a:r>
               <a:rPr lang="fr-FR" dirty="0" err="1"/>
@@ -10579,6 +10743,24 @@
             <a:r>
               <a:rPr lang="fr-FR" baseline="0" dirty="0"/>
               <a:t> si besoin - Bouton poussoir reste</a:t>
+            </a:r>
+          </a:p>
+          <a:p>
+            <a:pPr marL="0" indent="0">
+              <a:buFontTx/>
+              <a:buNone/>
+            </a:pPr>
+            <a:r>
+              <a:rPr lang="fr-FR" baseline="0" dirty="0"/>
+              <a:t> </a:t>
+            </a:r>
+            <a:r>
+              <a:rPr lang="fr-FR" dirty="0"/>
+              <a:t> Intérêt = minimiser le nombre de boutons, choix de la stratégie, </a:t>
+            </a:r>
+            <a:r>
+              <a:rPr lang="fr-FR" dirty="0" err="1"/>
+              <a:t>debug</a:t>
             </a:r>
             <a:endParaRPr lang="fr-FR" dirty="0"/>
           </a:p>
@@ -10669,13 +10851,7 @@
           <a:p>
             <a:r>
               <a:rPr lang="fr-FR" dirty="0"/>
-              <a:t>  Intérêt = minimiser le nombre de boutons</a:t>
-            </a:r>
-          </a:p>
-          <a:p>
-            <a:r>
-              <a:rPr lang="fr-FR" dirty="0"/>
-              <a:t>Gérer</a:t>
+              <a:t>  Gérer</a:t>
             </a:r>
             <a:r>
               <a:rPr lang="fr-FR" baseline="0" dirty="0"/>
@@ -10717,7 +10893,13 @@
           <a:p>
             <a:r>
               <a:rPr lang="fr-FR" baseline="0" dirty="0"/>
-              <a:t>Communication entre les 2 = SPI</a:t>
+              <a:t>  Communication entre les 2 = SPI</a:t>
+            </a:r>
+          </a:p>
+          <a:p>
+            <a:r>
+              <a:rPr lang="fr-FR" baseline="0" dirty="0"/>
+              <a:t>  Programmation = biblio pour gérer l’écran et une pour gérer les menus</a:t>
             </a:r>
             <a:endParaRPr lang="fr-FR" dirty="0"/>
           </a:p>
@@ -14063,8 +14245,8 @@
         </p:blipFill>
         <p:spPr>
           <a:xfrm rot="5400000">
-            <a:off x="3924849" y="1204270"/>
-            <a:ext cx="4342300" cy="4584887"/>
+            <a:off x="8433796" y="1294309"/>
+            <a:ext cx="3255631" cy="3437510"/>
           </a:xfrm>
           <a:prstGeom prst="rect">
             <a:avLst/>
@@ -14074,6 +14256,41 @@
           </a:ln>
           <a:effectLst>
             <a:softEdge rad="112500"/>
+          </a:effectLst>
+        </p:spPr>
+      </p:pic>
+      <p:pic>
+        <p:nvPicPr>
+          <p:cNvPr id="5" name="Image 4"/>
+          <p:cNvPicPr>
+            <a:picLocks noChangeAspect="1"/>
+          </p:cNvPicPr>
+          <p:nvPr/>
+        </p:nvPicPr>
+        <p:blipFill rotWithShape="1">
+          <a:blip r:embed="rId5">
+            <a:extLst>
+              <a:ext uri="{28A0092B-C50C-407E-A947-70E740481C1C}">
+                <a14:useLocalDpi xmlns:a14="http://schemas.microsoft.com/office/drawing/2010/main" val="0"/>
+              </a:ext>
+            </a:extLst>
+          </a:blip>
+          <a:srcRect l="1188"/>
+          <a:stretch/>
+        </p:blipFill>
+        <p:spPr>
+          <a:xfrm>
+            <a:off x="611560" y="1385248"/>
+            <a:ext cx="7200148" cy="4681572"/>
+          </a:xfrm>
+          <a:prstGeom prst="rect">
+            <a:avLst/>
+          </a:prstGeom>
+          <a:ln>
+            <a:noFill/>
+          </a:ln>
+          <a:effectLst>
+            <a:softEdge rad="31750"/>
           </a:effectLst>
         </p:spPr>
       </p:pic>
@@ -14914,6 +15131,78 @@
               <a:srgbClr val="FFFFFF"/>
             </a:contourClr>
           </a:sp3d>
+        </p:spPr>
+      </p:pic>
+      <p:pic>
+        <p:nvPicPr>
+          <p:cNvPr id="3" name="Image 2"/>
+          <p:cNvPicPr>
+            <a:picLocks noChangeAspect="1"/>
+          </p:cNvPicPr>
+          <p:nvPr/>
+        </p:nvPicPr>
+        <p:blipFill>
+          <a:blip r:embed="rId5" cstate="print">
+            <a:extLst>
+              <a:ext uri="{28A0092B-C50C-407E-A947-70E740481C1C}">
+                <a14:useLocalDpi xmlns:a14="http://schemas.microsoft.com/office/drawing/2010/main" val="0"/>
+              </a:ext>
+            </a:extLst>
+          </a:blip>
+          <a:stretch>
+            <a:fillRect/>
+          </a:stretch>
+        </p:blipFill>
+        <p:spPr>
+          <a:xfrm>
+            <a:off x="7518416" y="3367552"/>
+            <a:ext cx="3834517" cy="2875888"/>
+          </a:xfrm>
+          <a:prstGeom prst="rect">
+            <a:avLst/>
+          </a:prstGeom>
+          <a:ln>
+            <a:noFill/>
+          </a:ln>
+          <a:effectLst>
+            <a:softEdge rad="112500"/>
+          </a:effectLst>
+        </p:spPr>
+      </p:pic>
+      <p:pic>
+        <p:nvPicPr>
+          <p:cNvPr id="5" name="Image 4"/>
+          <p:cNvPicPr>
+            <a:picLocks noChangeAspect="1"/>
+          </p:cNvPicPr>
+          <p:nvPr/>
+        </p:nvPicPr>
+        <p:blipFill>
+          <a:blip r:embed="rId6">
+            <a:extLst>
+              <a:ext uri="{28A0092B-C50C-407E-A947-70E740481C1C}">
+                <a14:useLocalDpi xmlns:a14="http://schemas.microsoft.com/office/drawing/2010/main" val="0"/>
+              </a:ext>
+            </a:extLst>
+          </a:blip>
+          <a:stretch>
+            <a:fillRect/>
+          </a:stretch>
+        </p:blipFill>
+        <p:spPr>
+          <a:xfrm>
+            <a:off x="6958613" y="1210419"/>
+            <a:ext cx="1651987" cy="1897203"/>
+          </a:xfrm>
+          <a:prstGeom prst="rect">
+            <a:avLst/>
+          </a:prstGeom>
+          <a:ln>
+            <a:noFill/>
+          </a:ln>
+          <a:effectLst>
+            <a:softEdge rad="112500"/>
+          </a:effectLst>
         </p:spPr>
       </p:pic>
     </p:spTree>
@@ -17530,14 +17819,14 @@
       </p:sp>
       <p:pic>
         <p:nvPicPr>
-          <p:cNvPr id="5" name="Image 4"/>
+          <p:cNvPr id="11" name="Image 10"/>
           <p:cNvPicPr>
             <a:picLocks noChangeAspect="1"/>
           </p:cNvPicPr>
           <p:nvPr/>
         </p:nvPicPr>
         <p:blipFill>
-          <a:blip r:embed="rId4">
+          <a:blip r:embed="rId4" cstate="print">
             <a:extLst>
               <a:ext uri="{28A0092B-C50C-407E-A947-70E740481C1C}">
                 <a14:useLocalDpi xmlns:a14="http://schemas.microsoft.com/office/drawing/2010/main" val="0"/>
@@ -17550,8 +17839,8 @@
         </p:blipFill>
         <p:spPr>
           <a:xfrm>
-            <a:off x="2838204" y="1234602"/>
-            <a:ext cx="6515591" cy="4937597"/>
+            <a:off x="2662517" y="1325563"/>
+            <a:ext cx="6866965" cy="5150224"/>
           </a:xfrm>
           <a:prstGeom prst="rect">
             <a:avLst/>
@@ -18015,14 +18304,14 @@
       </p:sp>
       <p:pic>
         <p:nvPicPr>
-          <p:cNvPr id="3" name="Image 2"/>
+          <p:cNvPr id="11" name="Image 10"/>
           <p:cNvPicPr>
             <a:picLocks noChangeAspect="1"/>
           </p:cNvPicPr>
           <p:nvPr/>
         </p:nvPicPr>
         <p:blipFill>
-          <a:blip r:embed="rId4" cstate="print">
+          <a:blip r:embed="rId4">
             <a:extLst>
               <a:ext uri="{28A0092B-C50C-407E-A947-70E740481C1C}">
                 <a14:useLocalDpi xmlns:a14="http://schemas.microsoft.com/office/drawing/2010/main" val="0"/>
@@ -18035,8 +18324,8 @@
         </p:blipFill>
         <p:spPr>
           <a:xfrm>
-            <a:off x="2790367" y="1097508"/>
-            <a:ext cx="6866965" cy="5150224"/>
+            <a:off x="2838204" y="1234602"/>
+            <a:ext cx="6515591" cy="4937597"/>
           </a:xfrm>
           <a:prstGeom prst="rect">
             <a:avLst/>

--- a/Présentation 1er semestre/2016-12 Présentation coupe de France.pptx
+++ b/Présentation 1er semestre/2016-12 Présentation coupe de France.pptx
@@ -13,9 +13,9 @@
   <p:sldIdLst>
     <p:sldId id="256" r:id="rId2"/>
     <p:sldId id="277" r:id="rId3"/>
-    <p:sldId id="284" r:id="rId4"/>
-    <p:sldId id="310" r:id="rId5"/>
-    <p:sldId id="314" r:id="rId6"/>
+    <p:sldId id="310" r:id="rId4"/>
+    <p:sldId id="314" r:id="rId5"/>
+    <p:sldId id="284" r:id="rId6"/>
     <p:sldId id="285" r:id="rId7"/>
     <p:sldId id="315" r:id="rId8"/>
     <p:sldId id="318" r:id="rId9"/>
@@ -131,13 +131,13 @@
           <p14:sldIdLst>
             <p14:sldId id="256"/>
             <p14:sldId id="277"/>
-            <p14:sldId id="284"/>
           </p14:sldIdLst>
         </p14:section>
         <p14:section name="Intro" id="{B862E827-2637-4688-93C2-6F9819A85E16}">
           <p14:sldIdLst>
             <p14:sldId id="310"/>
             <p14:sldId id="314"/>
+            <p14:sldId id="284"/>
           </p14:sldIdLst>
         </p14:section>
         <p14:section name="I. Architecture du robot" id="{8F318CC8-9C66-4EB0-AF74-F7AB195463B4}">
@@ -2598,7 +2598,7 @@
         <a:p>
           <a:r>
             <a:rPr lang="fr-FR" dirty="0"/>
-            <a:t>2 points par balle apportée dans la base de départ</a:t>
+            <a:t>2 points par balle apportée dans la zone de départ</a:t>
           </a:r>
         </a:p>
       </dgm:t>
@@ -2733,6 +2733,42 @@
         </a:p>
       </dgm:t>
     </dgm:pt>
+    <dgm:pt modelId="{09601A59-D925-4F72-BCA7-6370147427E2}">
+      <dgm:prSet phldrT="[Texte]"/>
+      <dgm:spPr/>
+      <dgm:t>
+        <a:bodyPr/>
+        <a:lstStyle/>
+        <a:p>
+          <a:r>
+            <a:rPr lang="fr-FR" dirty="0"/>
+            <a:t>2 points par cylindre apporté dans la zone de départ</a:t>
+          </a:r>
+        </a:p>
+      </dgm:t>
+    </dgm:pt>
+    <dgm:pt modelId="{73C9295B-33AA-4AE6-8416-01229F9CC407}" type="parTrans" cxnId="{DEE4F812-180D-4922-9B23-ED677534BBA5}">
+      <dgm:prSet/>
+      <dgm:spPr/>
+      <dgm:t>
+        <a:bodyPr/>
+        <a:lstStyle/>
+        <a:p>
+          <a:endParaRPr lang="fr-FR"/>
+        </a:p>
+      </dgm:t>
+    </dgm:pt>
+    <dgm:pt modelId="{A73B779F-5A24-4FF4-A0E9-C166DBF5BF4A}" type="sibTrans" cxnId="{DEE4F812-180D-4922-9B23-ED677534BBA5}">
+      <dgm:prSet/>
+      <dgm:spPr/>
+      <dgm:t>
+        <a:bodyPr/>
+        <a:lstStyle/>
+        <a:p>
+          <a:endParaRPr lang="fr-FR"/>
+        </a:p>
+      </dgm:t>
+    </dgm:pt>
     <dgm:pt modelId="{5E3145BA-7554-4F1A-87F1-22E2889AAA36}" type="pres">
       <dgm:prSet presAssocID="{5ECB0A3B-1654-4BCD-8495-C70431E577CE}" presName="Name0" presStyleCnt="0">
         <dgm:presLayoutVars>
@@ -2817,6 +2853,7 @@
   </dgm:ptLst>
   <dgm:cxnLst>
     <dgm:cxn modelId="{B6AD1AD7-E2E8-45A6-8CAF-F8B7F497A359}" srcId="{4345B4B3-18CE-4CA7-91FE-D8BADAC1EB24}" destId="{F3D5CE0B-7EFC-44AA-99D3-D4857CBB2E23}" srcOrd="0" destOrd="0" parTransId="{FAEA8995-EE82-48A1-AF78-2230D77EFCD6}" sibTransId="{C345E3B5-9640-4188-86B8-BA62A1288BD8}"/>
+    <dgm:cxn modelId="{D74C1F95-DEDB-45A1-99E6-F7C14F17B2B6}" type="presOf" srcId="{09601A59-D925-4F72-BCA7-6370147427E2}" destId="{7EE263A1-6A89-41C4-BEEA-EB3B487BB053}" srcOrd="0" destOrd="1" presId="urn:microsoft.com/office/officeart/2005/8/layout/vList5"/>
     <dgm:cxn modelId="{24FD3677-C0C6-4225-95AD-55939B75E19E}" type="presOf" srcId="{5ECB0A3B-1654-4BCD-8495-C70431E577CE}" destId="{5E3145BA-7554-4F1A-87F1-22E2889AAA36}" srcOrd="0" destOrd="0" presId="urn:microsoft.com/office/officeart/2005/8/layout/vList5"/>
     <dgm:cxn modelId="{537A56B5-12BF-4576-B264-2108C3F15FDF}" type="presOf" srcId="{D80B2EFA-DB39-48DC-B933-234E629B5028}" destId="{D689913F-AA90-49D6-A92A-837F01F3979E}" srcOrd="0" destOrd="0" presId="urn:microsoft.com/office/officeart/2005/8/layout/vList5"/>
     <dgm:cxn modelId="{F266BF6E-D743-4FB1-B38B-828EC01D1A7C}" type="presOf" srcId="{361CE71E-2BDA-45B7-B2D8-80DE77D7E6A8}" destId="{4336B3E8-B6CD-4247-8A1A-F6C0B755238E}" srcOrd="0" destOrd="0" presId="urn:microsoft.com/office/officeart/2005/8/layout/vList5"/>
@@ -2827,6 +2864,7 @@
     <dgm:cxn modelId="{67B0A22D-9265-43E7-BFFA-26449EAC1503}" srcId="{853FFBEA-FA8C-4252-BD7E-063D65BD34AD}" destId="{D80B2EFA-DB39-48DC-B933-234E629B5028}" srcOrd="0" destOrd="0" parTransId="{69848BF7-44D4-4BF6-A435-52087CC4EC00}" sibTransId="{ABDB8024-D873-4E6B-9852-07A2DFADA028}"/>
     <dgm:cxn modelId="{3D07362A-1899-4E30-9078-78B542DBE61B}" srcId="{853FFBEA-FA8C-4252-BD7E-063D65BD34AD}" destId="{4DDAD266-F703-417D-B771-44CC6D250902}" srcOrd="1" destOrd="0" parTransId="{17F7C1DB-7DF5-410D-8A45-21850F52C3F8}" sibTransId="{46F14EDD-466E-4E42-B02C-3828015C95AC}"/>
     <dgm:cxn modelId="{FEB653D6-604B-4E9E-BCFD-8AE3C406FCF1}" type="presOf" srcId="{4345B4B3-18CE-4CA7-91FE-D8BADAC1EB24}" destId="{C8B67B15-C1BD-4C99-9018-F10FE9D16C34}" srcOrd="0" destOrd="0" presId="urn:microsoft.com/office/officeart/2005/8/layout/vList5"/>
+    <dgm:cxn modelId="{DEE4F812-180D-4922-9B23-ED677534BBA5}" srcId="{361CE71E-2BDA-45B7-B2D8-80DE77D7E6A8}" destId="{09601A59-D925-4F72-BCA7-6370147427E2}" srcOrd="1" destOrd="0" parTransId="{73C9295B-33AA-4AE6-8416-01229F9CC407}" sibTransId="{A73B779F-5A24-4FF4-A0E9-C166DBF5BF4A}"/>
     <dgm:cxn modelId="{1B3C9103-6C20-41E8-B364-3538ADA4C641}" type="presOf" srcId="{F3D5CE0B-7EFC-44AA-99D3-D4857CBB2E23}" destId="{415FBB49-A88A-4ACB-9409-0B36B1C14FF8}" srcOrd="0" destOrd="0" presId="urn:microsoft.com/office/officeart/2005/8/layout/vList5"/>
     <dgm:cxn modelId="{0BEF811F-2CE8-4B5C-B69C-A67A0B2BF9B9}" srcId="{5ECB0A3B-1654-4BCD-8495-C70431E577CE}" destId="{361CE71E-2BDA-45B7-B2D8-80DE77D7E6A8}" srcOrd="1" destOrd="0" parTransId="{8729E612-2BBA-4FA1-B5DC-1C35B6DA7444}" sibTransId="{6DBD5C3C-3683-4D03-8A51-8B67FEBF3B0B}"/>
     <dgm:cxn modelId="{1488CF1C-39AC-4CB2-B5C8-E6A9A4BBD72B}" srcId="{5ECB0A3B-1654-4BCD-8495-C70431E577CE}" destId="{4345B4B3-18CE-4CA7-91FE-D8BADAC1EB24}" srcOrd="2" destOrd="0" parTransId="{89AC6606-5635-4CA8-9DA0-04C0504FDCE5}" sibTransId="{72803B38-4A6E-48F3-8EC2-B9E6D8293362}"/>
@@ -3250,12 +3288,12 @@
         <a:fontRef idx="minor"/>
       </dsp:style>
       <dsp:txBody>
-        <a:bodyPr spcFirstLastPara="0" vert="horz" wrap="square" lIns="91440" tIns="45720" rIns="91440" bIns="45720" numCol="1" spcCol="1270" anchor="ctr" anchorCtr="0">
+        <a:bodyPr spcFirstLastPara="0" vert="horz" wrap="square" lIns="87630" tIns="43815" rIns="87630" bIns="43815" numCol="1" spcCol="1270" anchor="ctr" anchorCtr="0">
           <a:noAutofit/>
         </a:bodyPr>
         <a:lstStyle/>
         <a:p>
-          <a:pPr marL="228600" lvl="1" indent="-228600" algn="l" defTabSz="1066800">
+          <a:pPr marL="228600" lvl="1" indent="-228600" algn="l" defTabSz="1022350">
             <a:lnSpc>
               <a:spcPct val="90000"/>
             </a:lnSpc>
@@ -3268,12 +3306,12 @@
             <a:buChar char="•"/>
           </a:pPr>
           <a:r>
-            <a:rPr lang="fr-FR" sz="2400" kern="1200" dirty="0"/>
-            <a:t>2 points par balle apportée dans la base de départ</a:t>
+            <a:rPr lang="fr-FR" sz="2300" kern="1200" dirty="0"/>
+            <a:t>2 points par balle apportée dans la zone de départ</a:t>
           </a:r>
         </a:p>
         <a:p>
-          <a:pPr marL="228600" lvl="1" indent="-228600" algn="l" defTabSz="1066800">
+          <a:pPr marL="228600" lvl="1" indent="-228600" algn="l" defTabSz="1022350">
             <a:lnSpc>
               <a:spcPct val="90000"/>
             </a:lnSpc>
@@ -3286,7 +3324,7 @@
             <a:buChar char="•"/>
           </a:pPr>
           <a:r>
-            <a:rPr lang="fr-FR" sz="2400" kern="1200" dirty="0"/>
+            <a:rPr lang="fr-FR" sz="2300" kern="1200" dirty="0"/>
             <a:t>3 points par balle apportée dans le panier</a:t>
           </a:r>
         </a:p>
@@ -3462,12 +3500,12 @@
         <a:fontRef idx="minor"/>
       </dsp:style>
       <dsp:txBody>
-        <a:bodyPr spcFirstLastPara="0" vert="horz" wrap="square" lIns="91440" tIns="45720" rIns="91440" bIns="45720" numCol="1" spcCol="1270" anchor="ctr" anchorCtr="0">
+        <a:bodyPr spcFirstLastPara="0" vert="horz" wrap="square" lIns="87630" tIns="43815" rIns="87630" bIns="43815" numCol="1" spcCol="1270" anchor="ctr" anchorCtr="0">
           <a:noAutofit/>
         </a:bodyPr>
         <a:lstStyle/>
         <a:p>
-          <a:pPr marL="228600" lvl="1" indent="-228600" algn="l" defTabSz="1066800">
+          <a:pPr marL="228600" lvl="1" indent="-228600" algn="l" defTabSz="1022350">
             <a:lnSpc>
               <a:spcPct val="90000"/>
             </a:lnSpc>
@@ -3480,8 +3518,26 @@
             <a:buChar char="•"/>
           </a:pPr>
           <a:r>
-            <a:rPr lang="fr-FR" sz="2400" kern="1200" dirty="0"/>
+            <a:rPr lang="fr-FR" sz="2300" kern="1200" dirty="0"/>
             <a:t>10 points par cylindre apporté dans un rail</a:t>
+          </a:r>
+        </a:p>
+        <a:p>
+          <a:pPr marL="228600" lvl="1" indent="-228600" algn="l" defTabSz="1022350">
+            <a:lnSpc>
+              <a:spcPct val="90000"/>
+            </a:lnSpc>
+            <a:spcBef>
+              <a:spcPct val="0"/>
+            </a:spcBef>
+            <a:spcAft>
+              <a:spcPct val="15000"/>
+            </a:spcAft>
+            <a:buChar char="•"/>
+          </a:pPr>
+          <a:r>
+            <a:rPr lang="fr-FR" sz="2300" kern="1200" dirty="0"/>
+            <a:t>2 points par cylindre apporté dans la zone de départ</a:t>
           </a:r>
         </a:p>
       </dsp:txBody>
@@ -3656,12 +3712,12 @@
         <a:fontRef idx="minor"/>
       </dsp:style>
       <dsp:txBody>
-        <a:bodyPr spcFirstLastPara="0" vert="horz" wrap="square" lIns="91440" tIns="45720" rIns="91440" bIns="45720" numCol="1" spcCol="1270" anchor="ctr" anchorCtr="0">
+        <a:bodyPr spcFirstLastPara="0" vert="horz" wrap="square" lIns="87630" tIns="43815" rIns="87630" bIns="43815" numCol="1" spcCol="1270" anchor="ctr" anchorCtr="0">
           <a:noAutofit/>
         </a:bodyPr>
         <a:lstStyle/>
         <a:p>
-          <a:pPr marL="228600" lvl="1" indent="-228600" algn="l" defTabSz="1066800">
+          <a:pPr marL="228600" lvl="1" indent="-228600" algn="l" defTabSz="1022350">
             <a:lnSpc>
               <a:spcPct val="90000"/>
             </a:lnSpc>
@@ -3674,7 +3730,7 @@
             <a:buChar char="•"/>
           </a:pPr>
           <a:r>
-            <a:rPr lang="fr-FR" sz="2400" kern="1200" dirty="0"/>
+            <a:rPr lang="fr-FR" sz="2300" kern="1200" dirty="0"/>
             <a:t>20 points si réalisée correctement</a:t>
           </a:r>
         </a:p>
@@ -10256,6 +10312,13 @@
           <a:p>
             <a:endParaRPr lang="fr-FR" dirty="0"/>
           </a:p>
+          <a:p>
+            <a:pPr marL="0" lvl="0" indent="0">
+              <a:buFont typeface="+mj-lt"/>
+              <a:buNone/>
+            </a:pPr>
+            <a:endParaRPr lang="fr-FR" sz="1200" dirty="0"/>
+          </a:p>
         </p:txBody>
       </p:sp>
       <p:sp>
@@ -10284,7 +10347,7 @@
     </p:spTree>
     <p:extLst>
       <p:ext uri="{BB962C8B-B14F-4D97-AF65-F5344CB8AC3E}">
-        <p14:creationId xmlns:p14="http://schemas.microsoft.com/office/powerpoint/2010/main" val="2109235266"/>
+        <p14:creationId xmlns:p14="http://schemas.microsoft.com/office/powerpoint/2010/main" val="452301008"/>
       </p:ext>
     </p:extLst>
   </p:cSld>
@@ -10381,7 +10444,7 @@
     </p:spTree>
     <p:extLst>
       <p:ext uri="{BB962C8B-B14F-4D97-AF65-F5344CB8AC3E}">
-        <p14:creationId xmlns:p14="http://schemas.microsoft.com/office/powerpoint/2010/main" val="452301008"/>
+        <p14:creationId xmlns:p14="http://schemas.microsoft.com/office/powerpoint/2010/main" val="3296101268"/>
       </p:ext>
     </p:extLst>
   </p:cSld>
@@ -10443,13 +10506,6 @@
           <a:p>
             <a:endParaRPr lang="fr-FR" dirty="0"/>
           </a:p>
-          <a:p>
-            <a:pPr marL="0" lvl="0" indent="0">
-              <a:buFont typeface="+mj-lt"/>
-              <a:buNone/>
-            </a:pPr>
-            <a:endParaRPr lang="fr-FR" sz="1200" dirty="0"/>
-          </a:p>
         </p:txBody>
       </p:sp>
       <p:sp>
@@ -10478,7 +10534,7 @@
     </p:spTree>
     <p:extLst>
       <p:ext uri="{BB962C8B-B14F-4D97-AF65-F5344CB8AC3E}">
-        <p14:creationId xmlns:p14="http://schemas.microsoft.com/office/powerpoint/2010/main" val="3296101268"/>
+        <p14:creationId xmlns:p14="http://schemas.microsoft.com/office/powerpoint/2010/main" val="2109235266"/>
       </p:ext>
     </p:extLst>
   </p:cSld>
@@ -15841,8 +15897,16 @@
           </a:lstStyle>
           <a:p>
             <a:r>
-              <a:rPr lang="fr-FR"/>
-              <a:t>Problématique</a:t>
+              <a:rPr lang="fr-FR" dirty="0"/>
+              <a:t>Objectif du 1</a:t>
+            </a:r>
+            <a:r>
+              <a:rPr lang="fr-FR" baseline="30000" dirty="0"/>
+              <a:t>er</a:t>
+            </a:r>
+            <a:r>
+              <a:rPr lang="fr-FR" dirty="0"/>
+              <a:t> semestre</a:t>
             </a:r>
           </a:p>
         </p:txBody>
@@ -16102,8 +16166,8 @@
           </a:lstStyle>
           <a:p>
             <a:r>
-              <a:rPr lang="fr-FR"/>
-              <a:t>Plan</a:t>
+              <a:rPr lang="fr-FR" dirty="0"/>
+              <a:t>Intro présentation de la coupe de France</a:t>
             </a:r>
           </a:p>
         </p:txBody>
@@ -16182,87 +16246,32 @@
           </a:prstGeom>
         </p:spPr>
       </p:pic>
-      <p:sp>
-        <p:nvSpPr>
-          <p:cNvPr id="9" name="ZoneTexte 8"/>
-          <p:cNvSpPr txBox="1"/>
-          <p:nvPr/>
-        </p:nvSpPr>
-        <p:spPr>
-          <a:xfrm>
-            <a:off x="1019325" y="1863634"/>
-            <a:ext cx="10147863" cy="3785652"/>
-          </a:xfrm>
-          <a:prstGeom prst="rect">
-            <a:avLst/>
-          </a:prstGeom>
-          <a:noFill/>
-        </p:spPr>
-        <p:txBody>
-          <a:bodyPr wrap="square" rtlCol="0">
-            <a:spAutoFit/>
-          </a:bodyPr>
-          <a:lstStyle/>
-          <a:p>
-            <a:pPr marL="1143000" indent="-1143000">
-              <a:buFont typeface="+mj-lt"/>
-              <a:buAutoNum type="romanUcPeriod"/>
-            </a:pPr>
-            <a:r>
-              <a:rPr lang="fr-FR" sz="4400" dirty="0"/>
-              <a:t>Architecture du robot</a:t>
-            </a:r>
-          </a:p>
-          <a:p>
-            <a:pPr marL="1143000" indent="-1143000">
-              <a:buFont typeface="+mj-lt"/>
-              <a:buAutoNum type="romanUcPeriod"/>
-            </a:pPr>
-            <a:r>
-              <a:rPr lang="fr-FR" sz="4400" dirty="0"/>
-              <a:t>L’écran</a:t>
-            </a:r>
-          </a:p>
-          <a:p>
-            <a:pPr marL="1143000" indent="-1143000">
-              <a:buFont typeface="+mj-lt"/>
-              <a:buAutoNum type="romanUcPeriod"/>
-            </a:pPr>
-            <a:r>
-              <a:rPr lang="fr-FR" sz="4400" dirty="0"/>
-              <a:t>Les drivers</a:t>
-            </a:r>
-          </a:p>
-          <a:p>
-            <a:pPr marL="1143000" indent="-1143000">
-              <a:buFont typeface="+mj-lt"/>
-              <a:buAutoNum type="romanUcPeriod"/>
-            </a:pPr>
-            <a:r>
-              <a:rPr lang="fr-FR" sz="4400" dirty="0"/>
-              <a:t>L’alimentation</a:t>
-            </a:r>
-          </a:p>
-          <a:p>
-            <a:pPr marL="1143000" indent="-1143000">
-              <a:buFont typeface="+mj-lt"/>
-              <a:buAutoNum type="romanUcPeriod"/>
-            </a:pPr>
-            <a:r>
-              <a:rPr lang="fr-FR" sz="4400" dirty="0"/>
-              <a:t>Gestion de projet</a:t>
-            </a:r>
-          </a:p>
-          <a:p>
-            <a:pPr lvl="0"/>
-            <a:endParaRPr lang="fr-FR" sz="2000" dirty="0"/>
-          </a:p>
-        </p:txBody>
-      </p:sp>
+      <p:graphicFrame>
+        <p:nvGraphicFramePr>
+          <p:cNvPr id="5" name="Diagramme 4"/>
+          <p:cNvGraphicFramePr/>
+          <p:nvPr>
+            <p:extLst>
+              <p:ext uri="{D42A27DB-BD31-4B8C-83A1-F6EECF244321}">
+                <p14:modId xmlns:p14="http://schemas.microsoft.com/office/powerpoint/2010/main" val="390870858"/>
+              </p:ext>
+            </p:extLst>
+          </p:nvPr>
+        </p:nvGraphicFramePr>
+        <p:xfrm>
+          <a:off x="838200" y="1325563"/>
+          <a:ext cx="10515600" cy="4916760"/>
+        </p:xfrm>
+        <a:graphic>
+          <a:graphicData uri="http://schemas.openxmlformats.org/drawingml/2006/diagram">
+            <dgm:relIds xmlns:dgm="http://schemas.openxmlformats.org/drawingml/2006/diagram" xmlns:r="http://schemas.openxmlformats.org/officeDocument/2006/relationships" r:dm="rId4" r:lo="rId5" r:qs="rId6" r:cs="rId7"/>
+          </a:graphicData>
+        </a:graphic>
+      </p:graphicFrame>
     </p:spTree>
     <p:extLst>
       <p:ext uri="{BB962C8B-B14F-4D97-AF65-F5344CB8AC3E}">
-        <p14:creationId xmlns:p14="http://schemas.microsoft.com/office/powerpoint/2010/main" val="1375525992"/>
+        <p14:creationId xmlns:p14="http://schemas.microsoft.com/office/powerpoint/2010/main" val="676823397"/>
       </p:ext>
     </p:extLst>
   </p:cSld>
@@ -16390,7 +16399,7 @@
           <a:p>
             <a:r>
               <a:rPr lang="fr-FR" dirty="0"/>
-              <a:t>Intro présentation de la coupe de France</a:t>
+              <a:t>Aire de jeu</a:t>
             </a:r>
           </a:p>
         </p:txBody>
@@ -16469,32 +16478,40 @@
           </a:prstGeom>
         </p:spPr>
       </p:pic>
-      <p:graphicFrame>
-        <p:nvGraphicFramePr>
-          <p:cNvPr id="5" name="Diagramme 4"/>
-          <p:cNvGraphicFramePr/>
-          <p:nvPr>
-            <p:extLst>
-              <p:ext uri="{D42A27DB-BD31-4B8C-83A1-F6EECF244321}">
-                <p14:modId xmlns:p14="http://schemas.microsoft.com/office/powerpoint/2010/main" val="1646843687"/>
-              </p:ext>
-            </p:extLst>
-          </p:nvPr>
-        </p:nvGraphicFramePr>
-        <p:xfrm>
-          <a:off x="838200" y="1325563"/>
-          <a:ext cx="10515600" cy="4916760"/>
-        </p:xfrm>
-        <a:graphic>
-          <a:graphicData uri="http://schemas.openxmlformats.org/drawingml/2006/diagram">
-            <dgm:relIds xmlns:dgm="http://schemas.openxmlformats.org/drawingml/2006/diagram" xmlns:r="http://schemas.openxmlformats.org/officeDocument/2006/relationships" r:dm="rId4" r:lo="rId5" r:qs="rId6" r:cs="rId7"/>
-          </a:graphicData>
-        </a:graphic>
-      </p:graphicFrame>
+      <p:pic>
+        <p:nvPicPr>
+          <p:cNvPr id="3" name="Image 2"/>
+          <p:cNvPicPr>
+            <a:picLocks noChangeAspect="1"/>
+          </p:cNvPicPr>
+          <p:nvPr/>
+        </p:nvPicPr>
+        <p:blipFill>
+          <a:blip r:embed="rId4">
+            <a:extLst>
+              <a:ext uri="{28A0092B-C50C-407E-A947-70E740481C1C}">
+                <a14:useLocalDpi xmlns:a14="http://schemas.microsoft.com/office/drawing/2010/main" val="0"/>
+              </a:ext>
+            </a:extLst>
+          </a:blip>
+          <a:stretch>
+            <a:fillRect/>
+          </a:stretch>
+        </p:blipFill>
+        <p:spPr>
+          <a:xfrm>
+            <a:off x="1118493" y="1997612"/>
+            <a:ext cx="9955014" cy="3686689"/>
+          </a:xfrm>
+          <a:prstGeom prst="rect">
+            <a:avLst/>
+          </a:prstGeom>
+        </p:spPr>
+      </p:pic>
     </p:spTree>
     <p:extLst>
       <p:ext uri="{BB962C8B-B14F-4D97-AF65-F5344CB8AC3E}">
-        <p14:creationId xmlns:p14="http://schemas.microsoft.com/office/powerpoint/2010/main" val="676823397"/>
+        <p14:creationId xmlns:p14="http://schemas.microsoft.com/office/powerpoint/2010/main" val="3174007145"/>
       </p:ext>
     </p:extLst>
   </p:cSld>
@@ -16621,8 +16638,8 @@
           </a:lstStyle>
           <a:p>
             <a:r>
-              <a:rPr lang="fr-FR" dirty="0"/>
-              <a:t>Aire de jeu</a:t>
+              <a:rPr lang="fr-FR"/>
+              <a:t>Plan</a:t>
             </a:r>
           </a:p>
         </p:txBody>
@@ -16701,40 +16718,87 @@
           </a:prstGeom>
         </p:spPr>
       </p:pic>
-      <p:pic>
-        <p:nvPicPr>
-          <p:cNvPr id="3" name="Image 2"/>
-          <p:cNvPicPr>
-            <a:picLocks noChangeAspect="1"/>
-          </p:cNvPicPr>
+      <p:sp>
+        <p:nvSpPr>
+          <p:cNvPr id="9" name="ZoneTexte 8"/>
+          <p:cNvSpPr txBox="1"/>
           <p:nvPr/>
-        </p:nvPicPr>
-        <p:blipFill>
-          <a:blip r:embed="rId4">
-            <a:extLst>
-              <a:ext uri="{28A0092B-C50C-407E-A947-70E740481C1C}">
-                <a14:useLocalDpi xmlns:a14="http://schemas.microsoft.com/office/drawing/2010/main" val="0"/>
-              </a:ext>
-            </a:extLst>
-          </a:blip>
-          <a:stretch>
-            <a:fillRect/>
-          </a:stretch>
-        </p:blipFill>
+        </p:nvSpPr>
         <p:spPr>
           <a:xfrm>
-            <a:off x="1118493" y="1997612"/>
-            <a:ext cx="9955014" cy="3686689"/>
+            <a:off x="1019325" y="1863634"/>
+            <a:ext cx="10147863" cy="3785652"/>
           </a:xfrm>
           <a:prstGeom prst="rect">
             <a:avLst/>
           </a:prstGeom>
+          <a:noFill/>
         </p:spPr>
-      </p:pic>
+        <p:txBody>
+          <a:bodyPr wrap="square" rtlCol="0">
+            <a:spAutoFit/>
+          </a:bodyPr>
+          <a:lstStyle/>
+          <a:p>
+            <a:pPr marL="1143000" indent="-1143000">
+              <a:buFont typeface="+mj-lt"/>
+              <a:buAutoNum type="romanUcPeriod"/>
+            </a:pPr>
+            <a:r>
+              <a:rPr lang="fr-FR" sz="4400" dirty="0"/>
+              <a:t>Architecture du robot</a:t>
+            </a:r>
+          </a:p>
+          <a:p>
+            <a:pPr marL="1143000" indent="-1143000">
+              <a:buFont typeface="+mj-lt"/>
+              <a:buAutoNum type="romanUcPeriod"/>
+            </a:pPr>
+            <a:r>
+              <a:rPr lang="fr-FR" sz="4400" dirty="0"/>
+              <a:t>L’écran</a:t>
+            </a:r>
+          </a:p>
+          <a:p>
+            <a:pPr marL="1143000" indent="-1143000">
+              <a:buFont typeface="+mj-lt"/>
+              <a:buAutoNum type="romanUcPeriod"/>
+            </a:pPr>
+            <a:r>
+              <a:rPr lang="fr-FR" sz="4400" dirty="0"/>
+              <a:t>Les drivers</a:t>
+            </a:r>
+          </a:p>
+          <a:p>
+            <a:pPr marL="1143000" indent="-1143000">
+              <a:buFont typeface="+mj-lt"/>
+              <a:buAutoNum type="romanUcPeriod"/>
+            </a:pPr>
+            <a:r>
+              <a:rPr lang="fr-FR" sz="4400" dirty="0"/>
+              <a:t>L’alimentation</a:t>
+            </a:r>
+          </a:p>
+          <a:p>
+            <a:pPr marL="1143000" indent="-1143000">
+              <a:buFont typeface="+mj-lt"/>
+              <a:buAutoNum type="romanUcPeriod"/>
+            </a:pPr>
+            <a:r>
+              <a:rPr lang="fr-FR" sz="4400" dirty="0"/>
+              <a:t>Gestion de projet</a:t>
+            </a:r>
+          </a:p>
+          <a:p>
+            <a:pPr lvl="0"/>
+            <a:endParaRPr lang="fr-FR" sz="2000" dirty="0"/>
+          </a:p>
+        </p:txBody>
+      </p:sp>
     </p:spTree>
     <p:extLst>
       <p:ext uri="{BB962C8B-B14F-4D97-AF65-F5344CB8AC3E}">
-        <p14:creationId xmlns:p14="http://schemas.microsoft.com/office/powerpoint/2010/main" val="3174007145"/>
+        <p14:creationId xmlns:p14="http://schemas.microsoft.com/office/powerpoint/2010/main" val="1375525992"/>
       </p:ext>
     </p:extLst>
   </p:cSld>

--- a/Présentation 1er semestre/2016-12 Présentation coupe de France.pptx
+++ b/Présentation 1er semestre/2016-12 Présentation coupe de France.pptx
@@ -12,18 +12,18 @@
   </p:handoutMasterIdLst>
   <p:sldIdLst>
     <p:sldId id="256" r:id="rId2"/>
-    <p:sldId id="277" r:id="rId3"/>
-    <p:sldId id="310" r:id="rId4"/>
-    <p:sldId id="314" r:id="rId5"/>
+    <p:sldId id="310" r:id="rId3"/>
+    <p:sldId id="314" r:id="rId4"/>
+    <p:sldId id="277" r:id="rId5"/>
     <p:sldId id="284" r:id="rId6"/>
     <p:sldId id="285" r:id="rId7"/>
-    <p:sldId id="315" r:id="rId8"/>
-    <p:sldId id="318" r:id="rId9"/>
-    <p:sldId id="302" r:id="rId10"/>
-    <p:sldId id="312" r:id="rId11"/>
-    <p:sldId id="296" r:id="rId12"/>
-    <p:sldId id="313" r:id="rId13"/>
-    <p:sldId id="317" r:id="rId14"/>
+    <p:sldId id="318" r:id="rId8"/>
+    <p:sldId id="302" r:id="rId9"/>
+    <p:sldId id="312" r:id="rId10"/>
+    <p:sldId id="296" r:id="rId11"/>
+    <p:sldId id="313" r:id="rId12"/>
+    <p:sldId id="317" r:id="rId13"/>
+    <p:sldId id="315" r:id="rId14"/>
     <p:sldId id="298" r:id="rId15"/>
     <p:sldId id="316" r:id="rId16"/>
   </p:sldIdLst>
@@ -130,20 +130,19 @@
         <p14:section name="begin" id="{77F764CC-6C60-4051-B33C-7AC91C501D39}">
           <p14:sldIdLst>
             <p14:sldId id="256"/>
-            <p14:sldId id="277"/>
           </p14:sldIdLst>
         </p14:section>
         <p14:section name="Intro" id="{B862E827-2637-4688-93C2-6F9819A85E16}">
           <p14:sldIdLst>
             <p14:sldId id="310"/>
             <p14:sldId id="314"/>
+            <p14:sldId id="277"/>
             <p14:sldId id="284"/>
           </p14:sldIdLst>
         </p14:section>
         <p14:section name="I. Architecture du robot" id="{8F318CC8-9C66-4EB0-AF74-F7AB195463B4}">
           <p14:sldIdLst>
             <p14:sldId id="285"/>
-            <p14:sldId id="315"/>
           </p14:sldIdLst>
         </p14:section>
         <p14:section name="II. Ecran" id="{145B12C7-3076-41A0-8C85-8DB1BA1DA2CE}">
@@ -152,7 +151,7 @@
             <p14:sldId id="302"/>
           </p14:sldIdLst>
         </p14:section>
-        <p14:section name="III. Drivers" id="{DCC95856-3801-4C5D-B410-59FBA90EDC88}">
+        <p14:section name="III. Moteurs" id="{DCC95856-3801-4C5D-B410-59FBA90EDC88}">
           <p14:sldIdLst>
             <p14:sldId id="312"/>
           </p14:sldIdLst>
@@ -170,6 +169,7 @@
         </p14:section>
         <p14:section name="Conclusion" id="{B9E9691D-1692-4EDD-B62F-172DE5B4A9C0}">
           <p14:sldIdLst>
+            <p14:sldId id="315"/>
             <p14:sldId id="298"/>
             <p14:sldId id="316"/>
           </p14:sldIdLst>
@@ -2905,42 +2905,6 @@
         </a:p>
       </dgm:t>
     </dgm:pt>
-    <dgm:pt modelId="{128E88FA-6397-4415-B4DD-2DEB6EE443E8}">
-      <dgm:prSet phldrT="[Texte]"/>
-      <dgm:spPr/>
-      <dgm:t>
-        <a:bodyPr/>
-        <a:lstStyle/>
-        <a:p>
-          <a:r>
-            <a:rPr lang="fr-FR" dirty="0"/>
-            <a:t>Communication en I2C</a:t>
-          </a:r>
-        </a:p>
-      </dgm:t>
-    </dgm:pt>
-    <dgm:pt modelId="{D6E472F1-E564-4890-9A3D-7D16C7116100}" type="parTrans" cxnId="{2D684DB7-18C4-4728-9A7D-454C2230A31E}">
-      <dgm:prSet/>
-      <dgm:spPr/>
-      <dgm:t>
-        <a:bodyPr/>
-        <a:lstStyle/>
-        <a:p>
-          <a:endParaRPr lang="fr-FR"/>
-        </a:p>
-      </dgm:t>
-    </dgm:pt>
-    <dgm:pt modelId="{E06B0830-1AD6-4717-9130-C16386799ED5}" type="sibTrans" cxnId="{2D684DB7-18C4-4728-9A7D-454C2230A31E}">
-      <dgm:prSet/>
-      <dgm:spPr/>
-      <dgm:t>
-        <a:bodyPr/>
-        <a:lstStyle/>
-        <a:p>
-          <a:endParaRPr lang="fr-FR"/>
-        </a:p>
-      </dgm:t>
-    </dgm:pt>
     <dgm:pt modelId="{90B828DC-5B32-404F-8E3F-4350E039BC2A}" type="pres">
       <dgm:prSet presAssocID="{763E9B8C-E9D9-471E-A129-2EAE91CF5219}" presName="diagram" presStyleCnt="0">
         <dgm:presLayoutVars>
@@ -2950,26 +2914,15 @@
       </dgm:prSet>
       <dgm:spPr/>
     </dgm:pt>
-    <dgm:pt modelId="{A0C6F754-5A00-42D2-8E1E-1CFFC285D709}" type="pres">
-      <dgm:prSet presAssocID="{128E88FA-6397-4415-B4DD-2DEB6EE443E8}" presName="node" presStyleLbl="node1" presStyleIdx="0" presStyleCnt="1">
-        <dgm:presLayoutVars>
-          <dgm:bulletEnabled val="1"/>
-        </dgm:presLayoutVars>
-      </dgm:prSet>
-      <dgm:spPr/>
-    </dgm:pt>
   </dgm:ptLst>
   <dgm:cxnLst>
-    <dgm:cxn modelId="{FCAF4BA2-78A3-4B77-A331-80721FC92061}" type="presOf" srcId="{128E88FA-6397-4415-B4DD-2DEB6EE443E8}" destId="{A0C6F754-5A00-42D2-8E1E-1CFFC285D709}" srcOrd="0" destOrd="0" presId="urn:microsoft.com/office/officeart/2005/8/layout/default"/>
-    <dgm:cxn modelId="{2D684DB7-18C4-4728-9A7D-454C2230A31E}" srcId="{763E9B8C-E9D9-471E-A129-2EAE91CF5219}" destId="{128E88FA-6397-4415-B4DD-2DEB6EE443E8}" srcOrd="0" destOrd="0" parTransId="{D6E472F1-E564-4890-9A3D-7D16C7116100}" sibTransId="{E06B0830-1AD6-4717-9130-C16386799ED5}"/>
     <dgm:cxn modelId="{4531E7BC-CBA1-436A-9D61-AF7458D48D65}" type="presOf" srcId="{763E9B8C-E9D9-471E-A129-2EAE91CF5219}" destId="{90B828DC-5B32-404F-8E3F-4350E039BC2A}" srcOrd="0" destOrd="0" presId="urn:microsoft.com/office/officeart/2005/8/layout/default"/>
-    <dgm:cxn modelId="{AEF2FD4B-5BE9-4F02-AD4C-955917CA937F}" type="presParOf" srcId="{90B828DC-5B32-404F-8E3F-4350E039BC2A}" destId="{A0C6F754-5A00-42D2-8E1E-1CFFC285D709}" srcOrd="0" destOrd="0" presId="urn:microsoft.com/office/officeart/2005/8/layout/default"/>
   </dgm:cxnLst>
   <dgm:bg/>
   <dgm:whole/>
   <dgm:extLst>
     <a:ext uri="http://schemas.microsoft.com/office/drawing/2008/diagram">
-      <dsp:dataModelExt xmlns:dsp="http://schemas.microsoft.com/office/drawing/2008/diagram" relId="rId9" minVer="http://schemas.openxmlformats.org/drawingml/2006/diagram"/>
+      <dsp:dataModelExt xmlns:dsp="http://schemas.microsoft.com/office/drawing/2008/diagram" relId="rId8" minVer="http://schemas.openxmlformats.org/drawingml/2006/diagram"/>
     </a:ext>
   </dgm:extLst>
 </dgm:dataModel>
@@ -3106,7 +3059,7 @@
               <a:ea typeface="Calibri" panose="020F0502020204030204" pitchFamily="34" charset="0"/>
               <a:cs typeface="Times New Roman" panose="02020603050405020304" pitchFamily="18" charset="0"/>
             </a:rPr>
-            <a:t>Il nous faudrait plus de monde sur le projet si on veut avoir 2 robots</a:t>
+            <a:t>Il nous faudrait plus de monde</a:t>
           </a:r>
         </a:p>
       </dgm:t>
@@ -3863,82 +3816,6 @@
       <dsp:cNvGrpSpPr/>
     </dsp:nvGrpSpPr>
     <dsp:grpSpPr/>
-    <dsp:sp modelId="{A0C6F754-5A00-42D2-8E1E-1CFFC285D709}">
-      <dsp:nvSpPr>
-        <dsp:cNvPr id="0" name=""/>
-        <dsp:cNvSpPr/>
-      </dsp:nvSpPr>
-      <dsp:spPr>
-        <a:xfrm>
-          <a:off x="42820" y="61"/>
-          <a:ext cx="2493673" cy="1496204"/>
-        </a:xfrm>
-        <a:prstGeom prst="rect">
-          <a:avLst/>
-        </a:prstGeom>
-        <a:solidFill>
-          <a:schemeClr val="dk2">
-            <a:hueOff val="0"/>
-            <a:satOff val="0"/>
-            <a:lumOff val="0"/>
-            <a:alphaOff val="0"/>
-          </a:schemeClr>
-        </a:solidFill>
-        <a:ln>
-          <a:noFill/>
-        </a:ln>
-        <a:effectLst/>
-        <a:scene3d>
-          <a:camera prst="orthographicFront"/>
-          <a:lightRig rig="chilly" dir="t"/>
-        </a:scene3d>
-        <a:sp3d prstMaterial="translucentPowder">
-          <a:bevelT w="127000" h="25400" prst="softRound"/>
-        </a:sp3d>
-      </dsp:spPr>
-      <dsp:style>
-        <a:lnRef idx="0">
-          <a:scrgbClr r="0" g="0" b="0"/>
-        </a:lnRef>
-        <a:fillRef idx="1">
-          <a:scrgbClr r="0" g="0" b="0"/>
-        </a:fillRef>
-        <a:effectRef idx="0">
-          <a:scrgbClr r="0" g="0" b="0"/>
-        </a:effectRef>
-        <a:fontRef idx="minor">
-          <a:schemeClr val="lt1"/>
-        </a:fontRef>
-      </dsp:style>
-      <dsp:txBody>
-        <a:bodyPr spcFirstLastPara="0" vert="horz" wrap="square" lIns="102870" tIns="102870" rIns="102870" bIns="102870" numCol="1" spcCol="1270" anchor="ctr" anchorCtr="0">
-          <a:noAutofit/>
-        </a:bodyPr>
-        <a:lstStyle/>
-        <a:p>
-          <a:pPr marL="0" lvl="0" indent="0" algn="ctr" defTabSz="1200150">
-            <a:lnSpc>
-              <a:spcPct val="90000"/>
-            </a:lnSpc>
-            <a:spcBef>
-              <a:spcPct val="0"/>
-            </a:spcBef>
-            <a:spcAft>
-              <a:spcPct val="35000"/>
-            </a:spcAft>
-            <a:buNone/>
-          </a:pPr>
-          <a:r>
-            <a:rPr lang="fr-FR" sz="2700" kern="1200" dirty="0"/>
-            <a:t>Communication en I2C</a:t>
-          </a:r>
-        </a:p>
-      </dsp:txBody>
-      <dsp:txXfrm>
-        <a:off x="42820" y="61"/>
-        <a:ext cx="2493673" cy="1496204"/>
-      </dsp:txXfrm>
-    </dsp:sp>
   </dsp:spTree>
 </dsp:drawing>
 </file>
@@ -4047,12 +3924,12 @@
         <a:fontRef idx="minor"/>
       </dsp:style>
       <dsp:txBody>
-        <a:bodyPr spcFirstLastPara="0" vert="horz" wrap="square" lIns="0" tIns="60960" rIns="0" bIns="60960" numCol="1" spcCol="1270" anchor="ctr" anchorCtr="0">
+        <a:bodyPr spcFirstLastPara="0" vert="horz" wrap="square" lIns="0" tIns="66040" rIns="0" bIns="66040" numCol="1" spcCol="1270" anchor="ctr" anchorCtr="0">
           <a:noAutofit/>
         </a:bodyPr>
         <a:lstStyle/>
         <a:p>
-          <a:pPr marL="0" lvl="0" indent="0" algn="l" defTabSz="2133600">
+          <a:pPr marL="0" lvl="0" indent="0" algn="l" defTabSz="2311400">
             <a:lnSpc>
               <a:spcPct val="90000"/>
             </a:lnSpc>
@@ -4065,7 +3942,7 @@
             <a:buNone/>
           </a:pPr>
           <a:r>
-            <a:rPr lang="fr-FR" sz="4800" kern="1200" dirty="0">
+            <a:rPr lang="fr-FR" sz="5200" kern="1200" dirty="0">
               <a:solidFill>
                 <a:schemeClr val="accent4">
                   <a:lumMod val="50000"/>
@@ -4078,7 +3955,7 @@
             </a:rPr>
             <a:t>Notre objectif est rempli</a:t>
           </a:r>
-          <a:endParaRPr lang="fr-FR" sz="4800" kern="1200" dirty="0">
+          <a:endParaRPr lang="fr-FR" sz="5200" kern="1200" dirty="0">
             <a:solidFill>
               <a:schemeClr val="accent4">
                 <a:lumMod val="50000"/>
@@ -4188,12 +4065,12 @@
         <a:fontRef idx="minor"/>
       </dsp:style>
       <dsp:txBody>
-        <a:bodyPr spcFirstLastPara="0" vert="horz" wrap="square" lIns="0" tIns="60960" rIns="0" bIns="60960" numCol="1" spcCol="1270" anchor="ctr" anchorCtr="0">
+        <a:bodyPr spcFirstLastPara="0" vert="horz" wrap="square" lIns="0" tIns="66040" rIns="0" bIns="66040" numCol="1" spcCol="1270" anchor="ctr" anchorCtr="0">
           <a:noAutofit/>
         </a:bodyPr>
         <a:lstStyle/>
         <a:p>
-          <a:pPr marL="0" lvl="0" indent="0" algn="l" defTabSz="2133600">
+          <a:pPr marL="0" lvl="0" indent="0" algn="l" defTabSz="2311400">
             <a:lnSpc>
               <a:spcPct val="90000"/>
             </a:lnSpc>
@@ -4206,7 +4083,7 @@
             <a:buNone/>
           </a:pPr>
           <a:r>
-            <a:rPr lang="fr-FR" sz="4800" kern="1200" dirty="0">
+            <a:rPr lang="fr-FR" sz="5200" kern="1200" dirty="0">
               <a:solidFill>
                 <a:schemeClr val="accent6">
                   <a:lumMod val="50000"/>
@@ -4321,12 +4198,12 @@
         <a:fontRef idx="minor"/>
       </dsp:style>
       <dsp:txBody>
-        <a:bodyPr spcFirstLastPara="0" vert="horz" wrap="square" lIns="0" tIns="60960" rIns="0" bIns="60960" numCol="1" spcCol="1270" anchor="ctr" anchorCtr="0">
+        <a:bodyPr spcFirstLastPara="0" vert="horz" wrap="square" lIns="0" tIns="66040" rIns="0" bIns="66040" numCol="1" spcCol="1270" anchor="ctr" anchorCtr="0">
           <a:noAutofit/>
         </a:bodyPr>
         <a:lstStyle/>
         <a:p>
-          <a:pPr marL="0" lvl="0" indent="0" algn="l" defTabSz="2133600">
+          <a:pPr marL="0" lvl="0" indent="0" algn="l" defTabSz="2311400">
             <a:lnSpc>
               <a:spcPct val="90000"/>
             </a:lnSpc>
@@ -4339,7 +4216,7 @@
             <a:buNone/>
           </a:pPr>
           <a:r>
-            <a:rPr lang="fr-FR" sz="4800" kern="1200" dirty="0">
+            <a:rPr lang="fr-FR" sz="5200" kern="1200" dirty="0">
               <a:solidFill>
                 <a:schemeClr val="accent1">
                   <a:lumMod val="50000"/>
@@ -4350,7 +4227,7 @@
               <a:ea typeface="Calibri" panose="020F0502020204030204" pitchFamily="34" charset="0"/>
               <a:cs typeface="Times New Roman" panose="02020603050405020304" pitchFamily="18" charset="0"/>
             </a:rPr>
-            <a:t>Il nous faudrait plus de monde sur le projet si on veut avoir 2 robots</a:t>
+            <a:t>Il nous faudrait plus de monde</a:t>
           </a:r>
         </a:p>
       </dsp:txBody>
@@ -9509,12 +9386,17 @@
           <a:lstStyle/>
           <a:p>
             <a:r>
-              <a:rPr lang="fr-FR"/>
-              <a:t>Commentaire</a:t>
+              <a:rPr lang="fr-FR" dirty="0"/>
+              <a:t>- Régulateur de tension basé</a:t>
             </a:r>
-          </a:p>
-          <a:p>
-            <a:endParaRPr lang="fr-FR"/>
+            <a:r>
+              <a:rPr lang="fr-FR" baseline="0" dirty="0"/>
+              <a:t> sur principe d’a</a:t>
+            </a:r>
+            <a:r>
+              <a:rPr lang="fr-FR" dirty="0"/>
+              <a:t>lim à découpage</a:t>
+            </a:r>
           </a:p>
         </p:txBody>
       </p:sp>
@@ -9544,7 +9426,7 @@
     </p:spTree>
     <p:extLst>
       <p:ext uri="{BB962C8B-B14F-4D97-AF65-F5344CB8AC3E}">
-        <p14:creationId xmlns:p14="http://schemas.microsoft.com/office/powerpoint/2010/main" val="2923571248"/>
+        <p14:creationId xmlns:p14="http://schemas.microsoft.com/office/powerpoint/2010/main" val="2442002666"/>
       </p:ext>
     </p:extLst>
   </p:cSld>
@@ -9599,12 +9481,272 @@
           <a:lstStyle/>
           <a:p>
             <a:r>
-              <a:rPr lang="fr-FR"/>
-              <a:t>Commentaire</a:t>
+              <a:rPr lang="fr-FR" sz="1200" kern="1200" dirty="0">
+                <a:solidFill>
+                  <a:schemeClr val="tx1"/>
+                </a:solidFill>
+                <a:effectLst/>
+                <a:latin typeface="+mn-lt"/>
+                <a:ea typeface="+mn-ea"/>
+                <a:cs typeface="+mn-cs"/>
+              </a:rPr>
+              <a:t>- Robot le plus réutilisable possible</a:t>
             </a:r>
           </a:p>
           <a:p>
-            <a:endParaRPr lang="fr-FR"/>
+            <a:r>
+              <a:rPr lang="fr-FR" sz="1200" kern="1200" dirty="0">
+                <a:solidFill>
+                  <a:schemeClr val="tx1"/>
+                </a:solidFill>
+                <a:effectLst/>
+                <a:latin typeface="+mn-lt"/>
+                <a:ea typeface="+mn-ea"/>
+                <a:cs typeface="+mn-cs"/>
+              </a:rPr>
+              <a:t>-</a:t>
+            </a:r>
+            <a:r>
+              <a:rPr lang="fr-FR" sz="1200" kern="1200" baseline="0" dirty="0">
+                <a:solidFill>
+                  <a:schemeClr val="tx1"/>
+                </a:solidFill>
+                <a:effectLst/>
+                <a:latin typeface="+mn-lt"/>
+                <a:ea typeface="+mn-ea"/>
+                <a:cs typeface="+mn-cs"/>
+              </a:rPr>
+              <a:t> </a:t>
+            </a:r>
+            <a:r>
+              <a:rPr lang="fr-FR" sz="1200" kern="1200" dirty="0">
+                <a:solidFill>
+                  <a:schemeClr val="tx1"/>
+                </a:solidFill>
+                <a:effectLst/>
+                <a:latin typeface="+mn-lt"/>
+                <a:ea typeface="+mn-ea"/>
+                <a:cs typeface="+mn-cs"/>
+              </a:rPr>
+              <a:t>Mise en place de documentation =&gt; on commente le code</a:t>
+            </a:r>
+            <a:r>
+              <a:rPr lang="fr-FR" sz="1200" kern="1200" baseline="0" dirty="0">
+                <a:solidFill>
+                  <a:schemeClr val="tx1"/>
+                </a:solidFill>
+                <a:effectLst/>
+                <a:latin typeface="+mn-lt"/>
+                <a:ea typeface="+mn-ea"/>
+                <a:cs typeface="+mn-cs"/>
+              </a:rPr>
+              <a:t> (</a:t>
+            </a:r>
+            <a:r>
+              <a:rPr lang="fr-FR" sz="1200" kern="1200" baseline="0" dirty="0" err="1">
+                <a:solidFill>
+                  <a:schemeClr val="tx1"/>
+                </a:solidFill>
+                <a:effectLst/>
+                <a:latin typeface="+mn-lt"/>
+                <a:ea typeface="+mn-ea"/>
+                <a:cs typeface="+mn-cs"/>
+              </a:rPr>
+              <a:t>Doxygen</a:t>
+            </a:r>
+            <a:r>
+              <a:rPr lang="fr-FR" sz="1200" kern="1200" baseline="0" dirty="0">
+                <a:solidFill>
+                  <a:schemeClr val="tx1"/>
+                </a:solidFill>
+                <a:effectLst/>
+                <a:latin typeface="+mn-lt"/>
+                <a:ea typeface="+mn-ea"/>
+                <a:cs typeface="+mn-cs"/>
+              </a:rPr>
+              <a:t>), schéma </a:t>
+            </a:r>
+            <a:r>
+              <a:rPr lang="fr-FR" sz="1200" kern="1200" baseline="0" dirty="0" err="1">
+                <a:solidFill>
+                  <a:schemeClr val="tx1"/>
+                </a:solidFill>
+                <a:effectLst/>
+                <a:latin typeface="+mn-lt"/>
+                <a:ea typeface="+mn-ea"/>
+                <a:cs typeface="+mn-cs"/>
+              </a:rPr>
+              <a:t>élctrique</a:t>
+            </a:r>
+            <a:r>
+              <a:rPr lang="fr-FR" sz="1200" kern="1200" baseline="0" dirty="0">
+                <a:solidFill>
+                  <a:schemeClr val="tx1"/>
+                </a:solidFill>
+                <a:effectLst/>
+                <a:latin typeface="+mn-lt"/>
+                <a:ea typeface="+mn-ea"/>
+                <a:cs typeface="+mn-cs"/>
+              </a:rPr>
+              <a:t>, pin </a:t>
+            </a:r>
+            <a:r>
+              <a:rPr lang="fr-FR" sz="1200" kern="1200" baseline="0" dirty="0" err="1">
+                <a:solidFill>
+                  <a:schemeClr val="tx1"/>
+                </a:solidFill>
+                <a:effectLst/>
+                <a:latin typeface="+mn-lt"/>
+                <a:ea typeface="+mn-ea"/>
+                <a:cs typeface="+mn-cs"/>
+              </a:rPr>
+              <a:t>map</a:t>
+            </a:r>
+            <a:r>
+              <a:rPr lang="fr-FR" sz="1200" kern="1200" baseline="0" dirty="0">
+                <a:solidFill>
+                  <a:schemeClr val="tx1"/>
+                </a:solidFill>
+                <a:effectLst/>
+                <a:latin typeface="+mn-lt"/>
+                <a:ea typeface="+mn-ea"/>
+                <a:cs typeface="+mn-cs"/>
+              </a:rPr>
+              <a:t>…</a:t>
+            </a:r>
+          </a:p>
+          <a:p>
+            <a:pPr marL="0" marR="0" lvl="0" indent="0" algn="l" defTabSz="914400" rtl="0" eaLnBrk="1" fontAlgn="auto" latinLnBrk="0" hangingPunct="1">
+              <a:lnSpc>
+                <a:spcPct val="100000"/>
+              </a:lnSpc>
+              <a:spcBef>
+                <a:spcPts val="0"/>
+              </a:spcBef>
+              <a:spcAft>
+                <a:spcPts val="0"/>
+              </a:spcAft>
+              <a:buClrTx/>
+              <a:buSzTx/>
+              <a:buFontTx/>
+              <a:buNone/>
+              <a:tabLst/>
+              <a:defRPr/>
+            </a:pPr>
+            <a:r>
+              <a:rPr lang="fr-FR" sz="1200" kern="1200" dirty="0">
+                <a:solidFill>
+                  <a:schemeClr val="tx1"/>
+                </a:solidFill>
+                <a:effectLst/>
+                <a:latin typeface="+mn-lt"/>
+                <a:ea typeface="+mn-ea"/>
+                <a:cs typeface="+mn-cs"/>
+              </a:rPr>
+              <a:t>-</a:t>
+            </a:r>
+            <a:r>
+              <a:rPr lang="fr-FR" dirty="0"/>
+              <a:t> On utilise</a:t>
+            </a:r>
+            <a:r>
+              <a:rPr lang="fr-FR" baseline="0" dirty="0"/>
+              <a:t> </a:t>
+            </a:r>
+            <a:r>
+              <a:rPr lang="fr-FR" baseline="0" dirty="0" err="1"/>
+              <a:t>github</a:t>
+            </a:r>
+            <a:r>
+              <a:rPr lang="fr-FR" baseline="0" dirty="0"/>
+              <a:t> pour sauvegarder tous nos fichiers =&gt; vous pouvez aller voir</a:t>
+            </a:r>
+          </a:p>
+          <a:p>
+            <a:pPr marL="0" marR="0" lvl="0" indent="0" algn="l" defTabSz="914400" rtl="0" eaLnBrk="1" fontAlgn="auto" latinLnBrk="0" hangingPunct="1">
+              <a:lnSpc>
+                <a:spcPct val="100000"/>
+              </a:lnSpc>
+              <a:spcBef>
+                <a:spcPts val="0"/>
+              </a:spcBef>
+              <a:spcAft>
+                <a:spcPts val="0"/>
+              </a:spcAft>
+              <a:buClrTx/>
+              <a:buSzTx/>
+              <a:buFontTx/>
+              <a:buNone/>
+              <a:tabLst/>
+              <a:defRPr/>
+            </a:pPr>
+            <a:r>
+              <a:rPr lang="fr-FR" dirty="0"/>
+              <a:t>- </a:t>
+            </a:r>
+            <a:r>
+              <a:rPr lang="fr-FR" sz="1200" kern="1200" dirty="0">
+                <a:solidFill>
+                  <a:schemeClr val="tx1"/>
+                </a:solidFill>
+                <a:effectLst/>
+                <a:latin typeface="+mn-lt"/>
+                <a:ea typeface="+mn-ea"/>
+                <a:cs typeface="+mn-cs"/>
+              </a:rPr>
+              <a:t>Au début on est parti</a:t>
+            </a:r>
+            <a:r>
+              <a:rPr lang="fr-FR" sz="1200" kern="1200" baseline="0" dirty="0">
+                <a:solidFill>
+                  <a:schemeClr val="tx1"/>
+                </a:solidFill>
+                <a:effectLst/>
+                <a:latin typeface="+mn-lt"/>
+                <a:ea typeface="+mn-ea"/>
+                <a:cs typeface="+mn-cs"/>
+              </a:rPr>
+              <a:t> sur des choses simples =&gt; maintenant on utilise les tag de </a:t>
+            </a:r>
+            <a:r>
+              <a:rPr lang="fr-FR" sz="1200" kern="1200" baseline="0" dirty="0" err="1">
+                <a:solidFill>
+                  <a:schemeClr val="tx1"/>
+                </a:solidFill>
+                <a:effectLst/>
+                <a:latin typeface="+mn-lt"/>
+                <a:ea typeface="+mn-ea"/>
+                <a:cs typeface="+mn-cs"/>
+              </a:rPr>
+              <a:t>c++</a:t>
+            </a:r>
+            <a:r>
+              <a:rPr lang="fr-FR" sz="1200" kern="1200" baseline="0" dirty="0">
+                <a:solidFill>
+                  <a:schemeClr val="tx1"/>
+                </a:solidFill>
+                <a:effectLst/>
+                <a:latin typeface="+mn-lt"/>
+                <a:ea typeface="+mn-ea"/>
+                <a:cs typeface="+mn-cs"/>
+              </a:rPr>
+              <a:t> pour générer documentation</a:t>
+            </a:r>
+            <a:endParaRPr lang="fr-FR" dirty="0"/>
+          </a:p>
+          <a:p>
+            <a:endParaRPr lang="fr-FR" sz="1200" kern="1200" dirty="0">
+              <a:solidFill>
+                <a:schemeClr val="tx1"/>
+              </a:solidFill>
+              <a:effectLst/>
+              <a:latin typeface="+mn-lt"/>
+              <a:ea typeface="+mn-ea"/>
+              <a:cs typeface="+mn-cs"/>
+            </a:endParaRPr>
+          </a:p>
+          <a:p>
+            <a:endParaRPr lang="fr-FR" dirty="0"/>
           </a:p>
         </p:txBody>
       </p:sp>
@@ -9634,7 +9776,7 @@
     </p:spTree>
     <p:extLst>
       <p:ext uri="{BB962C8B-B14F-4D97-AF65-F5344CB8AC3E}">
-        <p14:creationId xmlns:p14="http://schemas.microsoft.com/office/powerpoint/2010/main" val="2442002666"/>
+        <p14:creationId xmlns:p14="http://schemas.microsoft.com/office/powerpoint/2010/main" val="2254995064"/>
       </p:ext>
     </p:extLst>
   </p:cSld>
@@ -9698,7 +9840,7 @@
                 <a:ea typeface="+mn-ea"/>
                 <a:cs typeface="+mn-cs"/>
               </a:rPr>
-              <a:t>- Robot le plus réutilisable possible </a:t>
+              <a:t>- Mise en place d’automatisme de documentation </a:t>
             </a:r>
           </a:p>
           <a:p>
@@ -9712,124 +9854,8 @@
                 <a:ea typeface="+mn-ea"/>
                 <a:cs typeface="+mn-cs"/>
               </a:rPr>
-              <a:t>-</a:t>
+              <a:t>- Prise de photos et vidéos</a:t>
             </a:r>
-            <a:r>
-              <a:rPr lang="fr-FR" sz="1200" kern="1200" baseline="0" dirty="0">
-                <a:solidFill>
-                  <a:schemeClr val="tx1"/>
-                </a:solidFill>
-                <a:effectLst/>
-                <a:latin typeface="+mn-lt"/>
-                <a:ea typeface="+mn-ea"/>
-                <a:cs typeface="+mn-cs"/>
-              </a:rPr>
-              <a:t> </a:t>
-            </a:r>
-            <a:r>
-              <a:rPr lang="fr-FR" sz="1200" kern="1200" dirty="0">
-                <a:solidFill>
-                  <a:schemeClr val="tx1"/>
-                </a:solidFill>
-                <a:effectLst/>
-                <a:latin typeface="+mn-lt"/>
-                <a:ea typeface="+mn-ea"/>
-                <a:cs typeface="+mn-cs"/>
-              </a:rPr>
-              <a:t>Mise en place de documentation =&gt; on commente le code,</a:t>
-            </a:r>
-            <a:r>
-              <a:rPr lang="fr-FR" sz="1200" kern="1200" baseline="0" dirty="0">
-                <a:solidFill>
-                  <a:schemeClr val="tx1"/>
-                </a:solidFill>
-                <a:effectLst/>
-                <a:latin typeface="+mn-lt"/>
-                <a:ea typeface="+mn-ea"/>
-                <a:cs typeface="+mn-cs"/>
-              </a:rPr>
-              <a:t> on génère une documentation avec </a:t>
-            </a:r>
-            <a:r>
-              <a:rPr lang="fr-FR" sz="1200" kern="1200" baseline="0" dirty="0" err="1">
-                <a:solidFill>
-                  <a:schemeClr val="tx1"/>
-                </a:solidFill>
-                <a:effectLst/>
-                <a:latin typeface="+mn-lt"/>
-                <a:ea typeface="+mn-ea"/>
-                <a:cs typeface="+mn-cs"/>
-              </a:rPr>
-              <a:t>Doxygen</a:t>
-            </a:r>
-            <a:endParaRPr lang="fr-FR" sz="1200" kern="1200" baseline="0" dirty="0">
-              <a:solidFill>
-                <a:schemeClr val="tx1"/>
-              </a:solidFill>
-              <a:effectLst/>
-              <a:latin typeface="+mn-lt"/>
-              <a:ea typeface="+mn-ea"/>
-              <a:cs typeface="+mn-cs"/>
-            </a:endParaRPr>
-          </a:p>
-          <a:p>
-            <a:pPr marL="0" marR="0" lvl="0" indent="0" algn="l" defTabSz="914400" rtl="0" eaLnBrk="1" fontAlgn="auto" latinLnBrk="0" hangingPunct="1">
-              <a:lnSpc>
-                <a:spcPct val="100000"/>
-              </a:lnSpc>
-              <a:spcBef>
-                <a:spcPts val="0"/>
-              </a:spcBef>
-              <a:spcAft>
-                <a:spcPts val="0"/>
-              </a:spcAft>
-              <a:buClrTx/>
-              <a:buSzTx/>
-              <a:buFontTx/>
-              <a:buNone/>
-              <a:tabLst/>
-              <a:defRPr/>
-            </a:pPr>
-            <a:r>
-              <a:rPr lang="fr-FR" sz="1200" kern="1200" dirty="0">
-                <a:solidFill>
-                  <a:schemeClr val="tx1"/>
-                </a:solidFill>
-                <a:effectLst/>
-                <a:latin typeface="+mn-lt"/>
-                <a:ea typeface="+mn-ea"/>
-                <a:cs typeface="+mn-cs"/>
-              </a:rPr>
-              <a:t>-</a:t>
-            </a:r>
-            <a:r>
-              <a:rPr lang="fr-FR" dirty="0"/>
-              <a:t> On utilise</a:t>
-            </a:r>
-            <a:r>
-              <a:rPr lang="fr-FR" baseline="0" dirty="0"/>
-              <a:t> </a:t>
-            </a:r>
-            <a:r>
-              <a:rPr lang="fr-FR" baseline="0" dirty="0" err="1"/>
-              <a:t>github</a:t>
-            </a:r>
-            <a:r>
-              <a:rPr lang="fr-FR" baseline="0" dirty="0"/>
-              <a:t> pour sauvegarder tous nos fichiers</a:t>
-            </a:r>
-            <a:endParaRPr lang="fr-FR" dirty="0"/>
-          </a:p>
-          <a:p>
-            <a:endParaRPr lang="fr-FR" sz="1200" kern="1200" dirty="0">
-              <a:solidFill>
-                <a:schemeClr val="tx1"/>
-              </a:solidFill>
-              <a:effectLst/>
-              <a:latin typeface="+mn-lt"/>
-              <a:ea typeface="+mn-ea"/>
-              <a:cs typeface="+mn-cs"/>
-            </a:endParaRPr>
           </a:p>
           <a:p>
             <a:endParaRPr lang="fr-FR" dirty="0"/>
@@ -9862,7 +9888,7 @@
     </p:spTree>
     <p:extLst>
       <p:ext uri="{BB962C8B-B14F-4D97-AF65-F5344CB8AC3E}">
-        <p14:creationId xmlns:p14="http://schemas.microsoft.com/office/powerpoint/2010/main" val="2254995064"/>
+        <p14:creationId xmlns:p14="http://schemas.microsoft.com/office/powerpoint/2010/main" val="2151462523"/>
       </p:ext>
     </p:extLst>
   </p:cSld>
@@ -9917,30 +9943,8 @@
           <a:lstStyle/>
           <a:p>
             <a:r>
-              <a:rPr lang="fr-FR" sz="1200" kern="1200" dirty="0">
-                <a:solidFill>
-                  <a:schemeClr val="tx1"/>
-                </a:solidFill>
-                <a:effectLst/>
-                <a:latin typeface="+mn-lt"/>
-                <a:ea typeface="+mn-ea"/>
-                <a:cs typeface="+mn-cs"/>
-              </a:rPr>
-              <a:t>- Mise en place d’automatisme de documentation </a:t>
-            </a:r>
-          </a:p>
-          <a:p>
-            <a:r>
-              <a:rPr lang="fr-FR" sz="1200" kern="1200" dirty="0">
-                <a:solidFill>
-                  <a:schemeClr val="tx1"/>
-                </a:solidFill>
-                <a:effectLst/>
-                <a:latin typeface="+mn-lt"/>
-                <a:ea typeface="+mn-ea"/>
-                <a:cs typeface="+mn-cs"/>
-              </a:rPr>
-              <a:t>- Prise de photos et vidéos</a:t>
+              <a:rPr lang="fr-FR" dirty="0"/>
+              <a:t>Commentaire</a:t>
             </a:r>
           </a:p>
           <a:p>
@@ -9974,7 +9978,7 @@
     </p:spTree>
     <p:extLst>
       <p:ext uri="{BB962C8B-B14F-4D97-AF65-F5344CB8AC3E}">
-        <p14:creationId xmlns:p14="http://schemas.microsoft.com/office/powerpoint/2010/main" val="2151462523"/>
+        <p14:creationId xmlns:p14="http://schemas.microsoft.com/office/powerpoint/2010/main" val="2195793559"/>
       </p:ext>
     </p:extLst>
   </p:cSld>
@@ -10222,6 +10226,13 @@
           <a:p>
             <a:endParaRPr lang="fr-FR" dirty="0"/>
           </a:p>
+          <a:p>
+            <a:pPr marL="0" lvl="0" indent="0">
+              <a:buFont typeface="+mj-lt"/>
+              <a:buNone/>
+            </a:pPr>
+            <a:endParaRPr lang="fr-FR" sz="1200" dirty="0"/>
+          </a:p>
         </p:txBody>
       </p:sp>
       <p:sp>
@@ -10250,7 +10261,7 @@
     </p:spTree>
     <p:extLst>
       <p:ext uri="{BB962C8B-B14F-4D97-AF65-F5344CB8AC3E}">
-        <p14:creationId xmlns:p14="http://schemas.microsoft.com/office/powerpoint/2010/main" val="2490140490"/>
+        <p14:creationId xmlns:p14="http://schemas.microsoft.com/office/powerpoint/2010/main" val="452301008"/>
       </p:ext>
     </p:extLst>
   </p:cSld>
@@ -10347,7 +10358,7 @@
     </p:spTree>
     <p:extLst>
       <p:ext uri="{BB962C8B-B14F-4D97-AF65-F5344CB8AC3E}">
-        <p14:creationId xmlns:p14="http://schemas.microsoft.com/office/powerpoint/2010/main" val="452301008"/>
+        <p14:creationId xmlns:p14="http://schemas.microsoft.com/office/powerpoint/2010/main" val="3296101268"/>
       </p:ext>
     </p:extLst>
   </p:cSld>
@@ -10409,13 +10420,6 @@
           <a:p>
             <a:endParaRPr lang="fr-FR" dirty="0"/>
           </a:p>
-          <a:p>
-            <a:pPr marL="0" lvl="0" indent="0">
-              <a:buFont typeface="+mj-lt"/>
-              <a:buNone/>
-            </a:pPr>
-            <a:endParaRPr lang="fr-FR" sz="1200" dirty="0"/>
-          </a:p>
         </p:txBody>
       </p:sp>
       <p:sp>
@@ -10444,7 +10448,7 @@
     </p:spTree>
     <p:extLst>
       <p:ext uri="{BB962C8B-B14F-4D97-AF65-F5344CB8AC3E}">
-        <p14:creationId xmlns:p14="http://schemas.microsoft.com/office/powerpoint/2010/main" val="3296101268"/>
+        <p14:creationId xmlns:p14="http://schemas.microsoft.com/office/powerpoint/2010/main" val="2490140490"/>
       </p:ext>
     </p:extLst>
   </p:cSld>
@@ -10678,10 +10682,57 @@
           <a:bodyPr/>
           <a:lstStyle/>
           <a:p>
+            <a:pPr marL="171450" indent="-171450">
+              <a:buFontTx/>
+              <a:buChar char="-"/>
+            </a:pPr>
             <a:r>
               <a:rPr lang="fr-FR" dirty="0"/>
-              <a:t>Commentaire</a:t>
+              <a:t>Ecran </a:t>
             </a:r>
+            <a:r>
+              <a:rPr lang="fr-FR" dirty="0" err="1"/>
+              <a:t>led</a:t>
+            </a:r>
+            <a:r>
+              <a:rPr lang="fr-FR" baseline="0" dirty="0"/>
+              <a:t> -</a:t>
+            </a:r>
+            <a:r>
+              <a:rPr lang="fr-FR" dirty="0"/>
+              <a:t> Encodeur</a:t>
+            </a:r>
+            <a:r>
+              <a:rPr lang="fr-FR" baseline="0" dirty="0"/>
+              <a:t> qui a un bouton - Carte </a:t>
+            </a:r>
+            <a:r>
+              <a:rPr lang="fr-FR" baseline="0" dirty="0" err="1"/>
+              <a:t>sd</a:t>
+            </a:r>
+            <a:r>
+              <a:rPr lang="fr-FR" baseline="0" dirty="0"/>
+              <a:t> si besoin - Bouton poussoir</a:t>
+            </a:r>
+          </a:p>
+          <a:p>
+            <a:pPr marL="0" indent="0">
+              <a:buFontTx/>
+              <a:buNone/>
+            </a:pPr>
+            <a:r>
+              <a:rPr lang="fr-FR" baseline="0" dirty="0"/>
+              <a:t> </a:t>
+            </a:r>
+            <a:r>
+              <a:rPr lang="fr-FR" dirty="0"/>
+              <a:t> Intérêt = minimiser le nombre de boutons, choix de la stratégie, </a:t>
+            </a:r>
+            <a:r>
+              <a:rPr lang="fr-FR" dirty="0" err="1"/>
+              <a:t>debug</a:t>
+            </a:r>
+            <a:endParaRPr lang="fr-FR" dirty="0"/>
           </a:p>
           <a:p>
             <a:endParaRPr lang="fr-FR" dirty="0"/>
@@ -10714,7 +10765,7 @@
     </p:spTree>
     <p:extLst>
       <p:ext uri="{BB962C8B-B14F-4D97-AF65-F5344CB8AC3E}">
-        <p14:creationId xmlns:p14="http://schemas.microsoft.com/office/powerpoint/2010/main" val="2195793559"/>
+        <p14:creationId xmlns:p14="http://schemas.microsoft.com/office/powerpoint/2010/main" val="1951151512"/>
       </p:ext>
     </p:extLst>
   </p:cSld>
@@ -10768,59 +10819,64 @@
           <a:bodyPr/>
           <a:lstStyle/>
           <a:p>
-            <a:pPr marL="171450" indent="-171450">
-              <a:buFontTx/>
-              <a:buChar char="-"/>
-            </a:pPr>
             <a:r>
               <a:rPr lang="fr-FR" dirty="0"/>
-              <a:t>Ecran </a:t>
-            </a:r>
-            <a:r>
-              <a:rPr lang="fr-FR" dirty="0" err="1"/>
-              <a:t>led</a:t>
+              <a:t>  Gérer</a:t>
             </a:r>
             <a:r>
               <a:rPr lang="fr-FR" baseline="0" dirty="0"/>
-              <a:t> -</a:t>
-            </a:r>
-            <a:r>
-              <a:rPr lang="fr-FR" dirty="0"/>
-              <a:t> Encodeur</a:t>
-            </a:r>
-            <a:r>
-              <a:rPr lang="fr-FR" baseline="0" dirty="0"/>
-              <a:t> = bouton - Carte </a:t>
+              <a:t> par une </a:t>
             </a:r>
             <a:r>
               <a:rPr lang="fr-FR" baseline="0" dirty="0" err="1"/>
-              <a:t>sd</a:t>
+              <a:t>arduino</a:t>
             </a:r>
-            <a:r>
-              <a:rPr lang="fr-FR" baseline="0" dirty="0"/>
-              <a:t> si besoin - Bouton poussoir reste</a:t>
-            </a:r>
-          </a:p>
-          <a:p>
-            <a:pPr marL="0" indent="0">
-              <a:buFontTx/>
-              <a:buNone/>
-            </a:pPr>
             <a:r>
               <a:rPr lang="fr-FR" baseline="0" dirty="0"/>
               <a:t> </a:t>
             </a:r>
             <a:r>
-              <a:rPr lang="fr-FR" dirty="0"/>
-              <a:t> Intérêt = minimiser le nombre de boutons, choix de la stratégie, </a:t>
+              <a:rPr lang="fr-FR" baseline="0" dirty="0" err="1"/>
+              <a:t>mega</a:t>
             </a:r>
             <a:r>
-              <a:rPr lang="fr-FR" dirty="0" err="1"/>
-              <a:t>debug</a:t>
+              <a:rPr lang="fr-FR" baseline="0" dirty="0"/>
+              <a:t>. L’</a:t>
             </a:r>
-            <a:endParaRPr lang="fr-FR" dirty="0"/>
-          </a:p>
-          <a:p>
+            <a:r>
+              <a:rPr lang="fr-FR" baseline="0" dirty="0" err="1"/>
+              <a:t>arduino</a:t>
+            </a:r>
+            <a:r>
+              <a:rPr lang="fr-FR" baseline="0" dirty="0"/>
+              <a:t> </a:t>
+            </a:r>
+            <a:r>
+              <a:rPr lang="fr-FR" baseline="0" dirty="0" err="1"/>
+              <a:t>mega</a:t>
+            </a:r>
+            <a:r>
+              <a:rPr lang="fr-FR" baseline="0" dirty="0"/>
+              <a:t> = 7V. Ecran = 5V.</a:t>
+            </a:r>
+          </a:p>
+          <a:p>
+            <a:r>
+              <a:rPr lang="fr-FR" baseline="0" dirty="0"/>
+              <a:t>  Communication entre les 2 = SPI</a:t>
+            </a:r>
+          </a:p>
+          <a:p>
+            <a:r>
+              <a:rPr lang="fr-FR" baseline="0" dirty="0"/>
+              <a:t>  Programmation = biblio pour gérer l’écran et une pour gérer les menus</a:t>
+            </a:r>
+          </a:p>
+          <a:p>
+            <a:r>
+              <a:rPr lang="fr-FR" baseline="0" dirty="0"/>
+              <a:t>  Démonstration de l’écran après si vous voulez</a:t>
+            </a:r>
             <a:endParaRPr lang="fr-FR" dirty="0"/>
           </a:p>
         </p:txBody>
@@ -10851,7 +10907,7 @@
     </p:spTree>
     <p:extLst>
       <p:ext uri="{BB962C8B-B14F-4D97-AF65-F5344CB8AC3E}">
-        <p14:creationId xmlns:p14="http://schemas.microsoft.com/office/powerpoint/2010/main" val="1951151512"/>
+        <p14:creationId xmlns:p14="http://schemas.microsoft.com/office/powerpoint/2010/main" val="3047236537"/>
       </p:ext>
     </p:extLst>
   </p:cSld>
@@ -10907,57 +10963,8 @@
           <a:p>
             <a:r>
               <a:rPr lang="fr-FR" dirty="0"/>
-              <a:t>  Gérer</a:t>
+              <a:t>Commentaire</a:t>
             </a:r>
-            <a:r>
-              <a:rPr lang="fr-FR" baseline="0" dirty="0"/>
-              <a:t> par une </a:t>
-            </a:r>
-            <a:r>
-              <a:rPr lang="fr-FR" baseline="0" dirty="0" err="1"/>
-              <a:t>arduino</a:t>
-            </a:r>
-            <a:r>
-              <a:rPr lang="fr-FR" baseline="0" dirty="0"/>
-              <a:t> </a:t>
-            </a:r>
-            <a:r>
-              <a:rPr lang="fr-FR" baseline="0" dirty="0" err="1"/>
-              <a:t>mega</a:t>
-            </a:r>
-            <a:r>
-              <a:rPr lang="fr-FR" baseline="0" dirty="0"/>
-              <a:t>. L’</a:t>
-            </a:r>
-            <a:r>
-              <a:rPr lang="fr-FR" baseline="0" dirty="0" err="1"/>
-              <a:t>arduino</a:t>
-            </a:r>
-            <a:r>
-              <a:rPr lang="fr-FR" baseline="0" dirty="0"/>
-              <a:t> </a:t>
-            </a:r>
-            <a:r>
-              <a:rPr lang="fr-FR" baseline="0" dirty="0" err="1"/>
-              <a:t>mega</a:t>
-            </a:r>
-            <a:r>
-              <a:rPr lang="fr-FR" baseline="0" dirty="0"/>
-              <a:t> = 7V. Ecran = 5V.</a:t>
-            </a:r>
-          </a:p>
-          <a:p>
-            <a:r>
-              <a:rPr lang="fr-FR" baseline="0" dirty="0"/>
-              <a:t>  Communication entre les 2 = SPI</a:t>
-            </a:r>
-          </a:p>
-          <a:p>
-            <a:r>
-              <a:rPr lang="fr-FR" baseline="0" dirty="0"/>
-              <a:t>  Programmation = biblio pour gérer l’écran et une pour gérer les menus</a:t>
-            </a:r>
-            <a:endParaRPr lang="fr-FR" dirty="0"/>
           </a:p>
           <a:p>
             <a:endParaRPr lang="fr-FR" dirty="0"/>
@@ -10990,7 +10997,7 @@
     </p:spTree>
     <p:extLst>
       <p:ext uri="{BB962C8B-B14F-4D97-AF65-F5344CB8AC3E}">
-        <p14:creationId xmlns:p14="http://schemas.microsoft.com/office/powerpoint/2010/main" val="3047236537"/>
+        <p14:creationId xmlns:p14="http://schemas.microsoft.com/office/powerpoint/2010/main" val="2923571248"/>
       </p:ext>
     </p:extLst>
   </p:cSld>
@@ -14201,7 +14208,7 @@
           <a:p>
             <a:r>
               <a:rPr lang="fr-FR" dirty="0"/>
-              <a:t>III. Les drivers </a:t>
+              <a:t>IV. L’alimentation </a:t>
             </a:r>
           </a:p>
         </p:txBody>
@@ -14288,7 +14295,7 @@
           </p:cNvPicPr>
           <p:nvPr/>
         </p:nvPicPr>
-        <p:blipFill rotWithShape="1">
+        <p:blipFill>
           <a:blip r:embed="rId4" cstate="print">
             <a:extLst>
               <a:ext uri="{28A0092B-C50C-407E-A947-70E740481C1C}">
@@ -14296,13 +14303,44 @@
               </a:ext>
             </a:extLst>
           </a:blip>
-          <a:srcRect r="28968"/>
-          <a:stretch/>
+          <a:stretch>
+            <a:fillRect/>
+          </a:stretch>
+        </p:blipFill>
+        <p:spPr>
+          <a:xfrm>
+            <a:off x="1162166" y="2034120"/>
+            <a:ext cx="5464577" cy="3613672"/>
+          </a:xfrm>
+          <a:prstGeom prst="rect">
+            <a:avLst/>
+          </a:prstGeom>
+        </p:spPr>
+      </p:pic>
+      <p:pic>
+        <p:nvPicPr>
+          <p:cNvPr id="5" name="Image 4"/>
+          <p:cNvPicPr>
+            <a:picLocks noChangeAspect="1"/>
+          </p:cNvPicPr>
+          <p:nvPr/>
+        </p:nvPicPr>
+        <p:blipFill>
+          <a:blip r:embed="rId5" cstate="print">
+            <a:extLst>
+              <a:ext uri="{28A0092B-C50C-407E-A947-70E740481C1C}">
+                <a14:useLocalDpi xmlns:a14="http://schemas.microsoft.com/office/drawing/2010/main" val="0"/>
+              </a:ext>
+            </a:extLst>
+          </a:blip>
+          <a:stretch>
+            <a:fillRect/>
+          </a:stretch>
         </p:blipFill>
         <p:spPr>
           <a:xfrm rot="5400000">
-            <a:off x="8433796" y="1294309"/>
-            <a:ext cx="3255631" cy="3437510"/>
+            <a:off x="7701691" y="2485829"/>
+            <a:ext cx="3613673" cy="2710255"/>
           </a:xfrm>
           <a:prstGeom prst="rect">
             <a:avLst/>
@@ -14315,45 +14353,10 @@
           </a:effectLst>
         </p:spPr>
       </p:pic>
-      <p:pic>
-        <p:nvPicPr>
-          <p:cNvPr id="5" name="Image 4"/>
-          <p:cNvPicPr>
-            <a:picLocks noChangeAspect="1"/>
-          </p:cNvPicPr>
-          <p:nvPr/>
-        </p:nvPicPr>
-        <p:blipFill rotWithShape="1">
-          <a:blip r:embed="rId5">
-            <a:extLst>
-              <a:ext uri="{28A0092B-C50C-407E-A947-70E740481C1C}">
-                <a14:useLocalDpi xmlns:a14="http://schemas.microsoft.com/office/drawing/2010/main" val="0"/>
-              </a:ext>
-            </a:extLst>
-          </a:blip>
-          <a:srcRect l="1188"/>
-          <a:stretch/>
-        </p:blipFill>
-        <p:spPr>
-          <a:xfrm>
-            <a:off x="611560" y="1385248"/>
-            <a:ext cx="7200148" cy="4681572"/>
-          </a:xfrm>
-          <a:prstGeom prst="rect">
-            <a:avLst/>
-          </a:prstGeom>
-          <a:ln>
-            <a:noFill/>
-          </a:ln>
-          <a:effectLst>
-            <a:softEdge rad="31750"/>
-          </a:effectLst>
-        </p:spPr>
-      </p:pic>
     </p:spTree>
     <p:extLst>
       <p:ext uri="{BB962C8B-B14F-4D97-AF65-F5344CB8AC3E}">
-        <p14:creationId xmlns:p14="http://schemas.microsoft.com/office/powerpoint/2010/main" val="508173759"/>
+        <p14:creationId xmlns:p14="http://schemas.microsoft.com/office/powerpoint/2010/main" val="3464186512"/>
       </p:ext>
     </p:extLst>
   </p:cSld>
@@ -14481,7 +14484,7 @@
           <a:p>
             <a:r>
               <a:rPr lang="fr-FR" dirty="0"/>
-              <a:t>IV. L’alimentation </a:t>
+              <a:t>V. Documentation</a:t>
             </a:r>
           </a:p>
         </p:txBody>
@@ -14504,282 +14507,6 @@
             <a:fld id="{B99FFE2E-51A8-405A-BD00-B1F90CA3DCDC}" type="slidenum">
               <a:rPr lang="fr-FR" smtClean="0"/>
               <a:t>11</a:t>
-            </a:fld>
-            <a:endParaRPr lang="fr-FR"/>
-          </a:p>
-        </p:txBody>
-      </p:sp>
-      <p:sp>
-        <p:nvSpPr>
-          <p:cNvPr id="7" name="Espace réservé du pied de page 6"/>
-          <p:cNvSpPr>
-            <a:spLocks noGrp="1"/>
-          </p:cNvSpPr>
-          <p:nvPr>
-            <p:ph type="ftr" sz="quarter" idx="11"/>
-          </p:nvPr>
-        </p:nvSpPr>
-        <p:spPr/>
-        <p:txBody>
-          <a:bodyPr/>
-          <a:lstStyle/>
-          <a:p>
-            <a:r>
-              <a:rPr lang="fr-FR"/>
-              <a:t>Coupe de France de robotique</a:t>
-            </a:r>
-          </a:p>
-        </p:txBody>
-      </p:sp>
-      <p:pic>
-        <p:nvPicPr>
-          <p:cNvPr id="8" name="Image 7"/>
-          <p:cNvPicPr>
-            <a:picLocks noChangeAspect="1"/>
-          </p:cNvPicPr>
-          <p:nvPr/>
-        </p:nvPicPr>
-        <p:blipFill rotWithShape="1">
-          <a:blip r:embed="rId3" cstate="print">
-            <a:extLst>
-              <a:ext uri="{28A0092B-C50C-407E-A947-70E740481C1C}">
-                <a14:useLocalDpi xmlns:a14="http://schemas.microsoft.com/office/drawing/2010/main" val="0"/>
-              </a:ext>
-            </a:extLst>
-          </a:blip>
-          <a:srcRect l="6242" t="7410" r="6242" b="7410"/>
-          <a:stretch/>
-        </p:blipFill>
-        <p:spPr>
-          <a:xfrm>
-            <a:off x="10206487" y="59686"/>
-            <a:ext cx="1573880" cy="978137"/>
-          </a:xfrm>
-          <a:prstGeom prst="rect">
-            <a:avLst/>
-          </a:prstGeom>
-        </p:spPr>
-      </p:pic>
-      <p:pic>
-        <p:nvPicPr>
-          <p:cNvPr id="3" name="Image 2"/>
-          <p:cNvPicPr>
-            <a:picLocks noChangeAspect="1"/>
-          </p:cNvPicPr>
-          <p:nvPr/>
-        </p:nvPicPr>
-        <p:blipFill>
-          <a:blip r:embed="rId4" cstate="print">
-            <a:extLst>
-              <a:ext uri="{28A0092B-C50C-407E-A947-70E740481C1C}">
-                <a14:useLocalDpi xmlns:a14="http://schemas.microsoft.com/office/drawing/2010/main" val="0"/>
-              </a:ext>
-            </a:extLst>
-          </a:blip>
-          <a:stretch>
-            <a:fillRect/>
-          </a:stretch>
-        </p:blipFill>
-        <p:spPr>
-          <a:xfrm>
-            <a:off x="1162166" y="2034120"/>
-            <a:ext cx="5464577" cy="3613672"/>
-          </a:xfrm>
-          <a:prstGeom prst="rect">
-            <a:avLst/>
-          </a:prstGeom>
-        </p:spPr>
-      </p:pic>
-      <p:pic>
-        <p:nvPicPr>
-          <p:cNvPr id="5" name="Image 4"/>
-          <p:cNvPicPr>
-            <a:picLocks noChangeAspect="1"/>
-          </p:cNvPicPr>
-          <p:nvPr/>
-        </p:nvPicPr>
-        <p:blipFill>
-          <a:blip r:embed="rId5" cstate="print">
-            <a:extLst>
-              <a:ext uri="{28A0092B-C50C-407E-A947-70E740481C1C}">
-                <a14:useLocalDpi xmlns:a14="http://schemas.microsoft.com/office/drawing/2010/main" val="0"/>
-              </a:ext>
-            </a:extLst>
-          </a:blip>
-          <a:stretch>
-            <a:fillRect/>
-          </a:stretch>
-        </p:blipFill>
-        <p:spPr>
-          <a:xfrm rot="5400000">
-            <a:off x="7701691" y="2485829"/>
-            <a:ext cx="3613673" cy="2710255"/>
-          </a:xfrm>
-          <a:prstGeom prst="rect">
-            <a:avLst/>
-          </a:prstGeom>
-          <a:ln>
-            <a:noFill/>
-          </a:ln>
-          <a:effectLst>
-            <a:softEdge rad="112500"/>
-          </a:effectLst>
-        </p:spPr>
-      </p:pic>
-    </p:spTree>
-    <p:extLst>
-      <p:ext uri="{BB962C8B-B14F-4D97-AF65-F5344CB8AC3E}">
-        <p14:creationId xmlns:p14="http://schemas.microsoft.com/office/powerpoint/2010/main" val="3464186512"/>
-      </p:ext>
-    </p:extLst>
-  </p:cSld>
-  <p:clrMapOvr>
-    <a:masterClrMapping/>
-  </p:clrMapOvr>
-  <p:transition spd="slow">
-    <p:push dir="u"/>
-  </p:transition>
-</p:sld>
-</file>
-
-<file path=ppt/slides/slide12.xml><?xml version="1.0" encoding="utf-8"?>
-<p:sld xmlns:a="http://schemas.openxmlformats.org/drawingml/2006/main" xmlns:r="http://schemas.openxmlformats.org/officeDocument/2006/relationships" xmlns:p="http://schemas.openxmlformats.org/presentationml/2006/main">
-  <p:cSld>
-    <p:spTree>
-      <p:nvGrpSpPr>
-        <p:cNvPr id="1" name=""/>
-        <p:cNvGrpSpPr/>
-        <p:nvPr/>
-      </p:nvGrpSpPr>
-      <p:grpSpPr>
-        <a:xfrm>
-          <a:off x="0" y="0"/>
-          <a:ext cx="0" cy="0"/>
-          <a:chOff x="0" y="0"/>
-          <a:chExt cx="0" cy="0"/>
-        </a:xfrm>
-      </p:grpSpPr>
-      <p:cxnSp>
-        <p:nvCxnSpPr>
-          <p:cNvPr id="4" name="Connecteur droit 3"/>
-          <p:cNvCxnSpPr/>
-          <p:nvPr/>
-        </p:nvCxnSpPr>
-        <p:spPr>
-          <a:xfrm>
-            <a:off x="611560" y="1097508"/>
-            <a:ext cx="10742240" cy="0"/>
-          </a:xfrm>
-          <a:prstGeom prst="line">
-            <a:avLst/>
-          </a:prstGeom>
-          <a:ln w="41275">
-            <a:gradFill flip="none" rotWithShape="1">
-              <a:gsLst>
-                <a:gs pos="17000">
-                  <a:srgbClr val="FF0000">
-                    <a:alpha val="99000"/>
-                  </a:srgbClr>
-                </a:gs>
-                <a:gs pos="0">
-                  <a:schemeClr val="bg1"/>
-                </a:gs>
-                <a:gs pos="85000">
-                  <a:srgbClr val="FF0000"/>
-                </a:gs>
-                <a:gs pos="55000">
-                  <a:srgbClr val="C00000"/>
-                </a:gs>
-                <a:gs pos="100000">
-                  <a:schemeClr val="bg1"/>
-                </a:gs>
-              </a:gsLst>
-              <a:lin ang="0" scaled="1"/>
-              <a:tileRect/>
-            </a:gradFill>
-          </a:ln>
-        </p:spPr>
-        <p:style>
-          <a:lnRef idx="1">
-            <a:schemeClr val="accent1"/>
-          </a:lnRef>
-          <a:fillRef idx="0">
-            <a:schemeClr val="accent1"/>
-          </a:fillRef>
-          <a:effectRef idx="0">
-            <a:schemeClr val="accent1"/>
-          </a:effectRef>
-          <a:fontRef idx="minor">
-            <a:schemeClr val="tx1"/>
-          </a:fontRef>
-        </p:style>
-      </p:cxnSp>
-      <p:sp>
-        <p:nvSpPr>
-          <p:cNvPr id="6" name="Titre 1"/>
-          <p:cNvSpPr txBox="1">
-            <a:spLocks/>
-          </p:cNvSpPr>
-          <p:nvPr/>
-        </p:nvSpPr>
-        <p:spPr>
-          <a:xfrm>
-            <a:off x="838200" y="0"/>
-            <a:ext cx="10515600" cy="1325563"/>
-          </a:xfrm>
-          <a:prstGeom prst="rect">
-            <a:avLst/>
-          </a:prstGeom>
-        </p:spPr>
-        <p:txBody>
-          <a:bodyPr vert="horz" lIns="91440" tIns="45720" rIns="91440" bIns="45720" rtlCol="0" anchor="ctr">
-            <a:normAutofit/>
-          </a:bodyPr>
-          <a:lstStyle>
-            <a:lvl1pPr algn="l" defTabSz="914400" rtl="0" eaLnBrk="1" latinLnBrk="0" hangingPunct="1">
-              <a:lnSpc>
-                <a:spcPct val="90000"/>
-              </a:lnSpc>
-              <a:spcBef>
-                <a:spcPct val="0"/>
-              </a:spcBef>
-              <a:buNone/>
-              <a:defRPr sz="4400" kern="1200">
-                <a:solidFill>
-                  <a:schemeClr val="tx1"/>
-                </a:solidFill>
-                <a:latin typeface="+mj-lt"/>
-                <a:ea typeface="+mj-ea"/>
-                <a:cs typeface="+mj-cs"/>
-              </a:defRPr>
-            </a:lvl1pPr>
-          </a:lstStyle>
-          <a:p>
-            <a:r>
-              <a:rPr lang="fr-FR" dirty="0"/>
-              <a:t>V. Documentation</a:t>
-            </a:r>
-          </a:p>
-        </p:txBody>
-      </p:sp>
-      <p:sp>
-        <p:nvSpPr>
-          <p:cNvPr id="2" name="Espace réservé du numéro de diapositive 1"/>
-          <p:cNvSpPr>
-            <a:spLocks noGrp="1"/>
-          </p:cNvSpPr>
-          <p:nvPr>
-            <p:ph type="sldNum" sz="quarter" idx="12"/>
-          </p:nvPr>
-        </p:nvSpPr>
-        <p:spPr/>
-        <p:txBody>
-          <a:bodyPr/>
-          <a:lstStyle/>
-          <a:p>
-            <a:fld id="{B99FFE2E-51A8-405A-BD00-B1F90CA3DCDC}" type="slidenum">
-              <a:rPr lang="fr-FR" smtClean="0"/>
-              <a:t>12</a:t>
             </a:fld>
             <a:endParaRPr lang="fr-FR"/>
           </a:p>
@@ -14935,7 +14662,7 @@
 </p:sld>
 </file>
 
-<file path=ppt/slides/slide13.xml><?xml version="1.0" encoding="utf-8"?>
+<file path=ppt/slides/slide12.xml><?xml version="1.0" encoding="utf-8"?>
 <p:sld xmlns:a="http://schemas.openxmlformats.org/drawingml/2006/main" xmlns:r="http://schemas.openxmlformats.org/officeDocument/2006/relationships" xmlns:p="http://schemas.openxmlformats.org/presentationml/2006/main">
   <p:cSld>
     <p:spTree>
@@ -15072,7 +14799,7 @@
           <a:p>
             <a:fld id="{B99FFE2E-51A8-405A-BD00-B1F90CA3DCDC}" type="slidenum">
               <a:rPr lang="fr-FR" smtClean="0"/>
-              <a:t>13</a:t>
+              <a:t>12</a:t>
             </a:fld>
             <a:endParaRPr lang="fr-FR"/>
           </a:p>
@@ -15277,6 +15004,288 @@
 </p:sld>
 </file>
 
+<file path=ppt/slides/slide13.xml><?xml version="1.0" encoding="utf-8"?>
+<p:sld xmlns:a="http://schemas.openxmlformats.org/drawingml/2006/main" xmlns:r="http://schemas.openxmlformats.org/officeDocument/2006/relationships" xmlns:p="http://schemas.openxmlformats.org/presentationml/2006/main">
+  <p:cSld>
+    <p:spTree>
+      <p:nvGrpSpPr>
+        <p:cNvPr id="1" name=""/>
+        <p:cNvGrpSpPr/>
+        <p:nvPr/>
+      </p:nvGrpSpPr>
+      <p:grpSpPr>
+        <a:xfrm>
+          <a:off x="0" y="0"/>
+          <a:ext cx="0" cy="0"/>
+          <a:chOff x="0" y="0"/>
+          <a:chExt cx="0" cy="0"/>
+        </a:xfrm>
+      </p:grpSpPr>
+      <p:cxnSp>
+        <p:nvCxnSpPr>
+          <p:cNvPr id="4" name="Connecteur droit 3"/>
+          <p:cNvCxnSpPr/>
+          <p:nvPr/>
+        </p:nvCxnSpPr>
+        <p:spPr>
+          <a:xfrm>
+            <a:off x="611560" y="1097508"/>
+            <a:ext cx="10742240" cy="0"/>
+          </a:xfrm>
+          <a:prstGeom prst="line">
+            <a:avLst/>
+          </a:prstGeom>
+          <a:ln w="41275">
+            <a:gradFill flip="none" rotWithShape="1">
+              <a:gsLst>
+                <a:gs pos="17000">
+                  <a:srgbClr val="FF0000">
+                    <a:alpha val="99000"/>
+                  </a:srgbClr>
+                </a:gs>
+                <a:gs pos="0">
+                  <a:schemeClr val="bg1"/>
+                </a:gs>
+                <a:gs pos="85000">
+                  <a:srgbClr val="FF0000"/>
+                </a:gs>
+                <a:gs pos="55000">
+                  <a:srgbClr val="C00000"/>
+                </a:gs>
+                <a:gs pos="100000">
+                  <a:schemeClr val="bg1"/>
+                </a:gs>
+              </a:gsLst>
+              <a:lin ang="0" scaled="1"/>
+              <a:tileRect/>
+            </a:gradFill>
+          </a:ln>
+        </p:spPr>
+        <p:style>
+          <a:lnRef idx="1">
+            <a:schemeClr val="accent1"/>
+          </a:lnRef>
+          <a:fillRef idx="0">
+            <a:schemeClr val="accent1"/>
+          </a:fillRef>
+          <a:effectRef idx="0">
+            <a:schemeClr val="accent1"/>
+          </a:effectRef>
+          <a:fontRef idx="minor">
+            <a:schemeClr val="tx1"/>
+          </a:fontRef>
+        </p:style>
+      </p:cxnSp>
+      <p:sp>
+        <p:nvSpPr>
+          <p:cNvPr id="6" name="Titre 1"/>
+          <p:cNvSpPr txBox="1">
+            <a:spLocks/>
+          </p:cNvSpPr>
+          <p:nvPr/>
+        </p:nvSpPr>
+        <p:spPr>
+          <a:xfrm>
+            <a:off x="838200" y="0"/>
+            <a:ext cx="10515600" cy="1325563"/>
+          </a:xfrm>
+          <a:prstGeom prst="rect">
+            <a:avLst/>
+          </a:prstGeom>
+        </p:spPr>
+        <p:txBody>
+          <a:bodyPr vert="horz" lIns="91440" tIns="45720" rIns="91440" bIns="45720" rtlCol="0" anchor="ctr">
+            <a:normAutofit/>
+          </a:bodyPr>
+          <a:lstStyle>
+            <a:lvl1pPr algn="l" defTabSz="914400" rtl="0" eaLnBrk="1" latinLnBrk="0" hangingPunct="1">
+              <a:lnSpc>
+                <a:spcPct val="90000"/>
+              </a:lnSpc>
+              <a:spcBef>
+                <a:spcPct val="0"/>
+              </a:spcBef>
+              <a:buNone/>
+              <a:defRPr sz="4400" kern="1200">
+                <a:solidFill>
+                  <a:schemeClr val="tx1"/>
+                </a:solidFill>
+                <a:latin typeface="+mj-lt"/>
+                <a:ea typeface="+mj-ea"/>
+                <a:cs typeface="+mj-cs"/>
+              </a:defRPr>
+            </a:lvl1pPr>
+          </a:lstStyle>
+          <a:p>
+            <a:r>
+              <a:rPr lang="fr-FR" dirty="0"/>
+              <a:t>Démonstration</a:t>
+            </a:r>
+          </a:p>
+        </p:txBody>
+      </p:sp>
+      <p:sp>
+        <p:nvSpPr>
+          <p:cNvPr id="2" name="Espace réservé du numéro de diapositive 1"/>
+          <p:cNvSpPr>
+            <a:spLocks noGrp="1"/>
+          </p:cNvSpPr>
+          <p:nvPr>
+            <p:ph type="sldNum" sz="quarter" idx="12"/>
+          </p:nvPr>
+        </p:nvSpPr>
+        <p:spPr/>
+        <p:txBody>
+          <a:bodyPr/>
+          <a:lstStyle/>
+          <a:p>
+            <a:fld id="{B99FFE2E-51A8-405A-BD00-B1F90CA3DCDC}" type="slidenum">
+              <a:rPr lang="fr-FR" smtClean="0"/>
+              <a:t>13</a:t>
+            </a:fld>
+            <a:endParaRPr lang="fr-FR"/>
+          </a:p>
+        </p:txBody>
+      </p:sp>
+      <p:sp>
+        <p:nvSpPr>
+          <p:cNvPr id="7" name="Espace réservé du pied de page 6"/>
+          <p:cNvSpPr>
+            <a:spLocks noGrp="1"/>
+          </p:cNvSpPr>
+          <p:nvPr>
+            <p:ph type="ftr" sz="quarter" idx="11"/>
+          </p:nvPr>
+        </p:nvSpPr>
+        <p:spPr/>
+        <p:txBody>
+          <a:bodyPr/>
+          <a:lstStyle/>
+          <a:p>
+            <a:r>
+              <a:rPr lang="fr-FR"/>
+              <a:t>Coupe de France de robotique</a:t>
+            </a:r>
+          </a:p>
+        </p:txBody>
+      </p:sp>
+      <p:pic>
+        <p:nvPicPr>
+          <p:cNvPr id="8" name="Image 7"/>
+          <p:cNvPicPr>
+            <a:picLocks noChangeAspect="1"/>
+          </p:cNvPicPr>
+          <p:nvPr/>
+        </p:nvPicPr>
+        <p:blipFill rotWithShape="1">
+          <a:blip r:embed="rId3" cstate="print">
+            <a:extLst>
+              <a:ext uri="{28A0092B-C50C-407E-A947-70E740481C1C}">
+                <a14:useLocalDpi xmlns:a14="http://schemas.microsoft.com/office/drawing/2010/main" val="0"/>
+              </a:ext>
+            </a:extLst>
+          </a:blip>
+          <a:srcRect l="6242" t="7410" r="6242" b="7410"/>
+          <a:stretch/>
+        </p:blipFill>
+        <p:spPr>
+          <a:xfrm>
+            <a:off x="10206487" y="59686"/>
+            <a:ext cx="1573880" cy="978137"/>
+          </a:xfrm>
+          <a:prstGeom prst="rect">
+            <a:avLst/>
+          </a:prstGeom>
+        </p:spPr>
+      </p:pic>
+      <p:pic>
+        <p:nvPicPr>
+          <p:cNvPr id="3" name="Image 2"/>
+          <p:cNvPicPr>
+            <a:picLocks noChangeAspect="1"/>
+          </p:cNvPicPr>
+          <p:nvPr/>
+        </p:nvPicPr>
+        <p:blipFill>
+          <a:blip r:embed="rId4">
+            <a:extLst>
+              <a:ext uri="{28A0092B-C50C-407E-A947-70E740481C1C}">
+                <a14:useLocalDpi xmlns:a14="http://schemas.microsoft.com/office/drawing/2010/main" val="0"/>
+              </a:ext>
+            </a:extLst>
+          </a:blip>
+          <a:stretch>
+            <a:fillRect/>
+          </a:stretch>
+        </p:blipFill>
+        <p:spPr>
+          <a:xfrm>
+            <a:off x="7059561" y="1914649"/>
+            <a:ext cx="4294239" cy="3404348"/>
+          </a:xfrm>
+          <a:prstGeom prst="rect">
+            <a:avLst/>
+          </a:prstGeom>
+          <a:ln>
+            <a:noFill/>
+          </a:ln>
+          <a:effectLst>
+            <a:softEdge rad="112500"/>
+          </a:effectLst>
+        </p:spPr>
+      </p:pic>
+      <p:pic>
+        <p:nvPicPr>
+          <p:cNvPr id="5" name="Image 4"/>
+          <p:cNvPicPr>
+            <a:picLocks noChangeAspect="1"/>
+          </p:cNvPicPr>
+          <p:nvPr/>
+        </p:nvPicPr>
+        <p:blipFill>
+          <a:blip r:embed="rId5">
+            <a:extLst>
+              <a:ext uri="{28A0092B-C50C-407E-A947-70E740481C1C}">
+                <a14:useLocalDpi xmlns:a14="http://schemas.microsoft.com/office/drawing/2010/main" val="0"/>
+              </a:ext>
+            </a:extLst>
+          </a:blip>
+          <a:stretch>
+            <a:fillRect/>
+          </a:stretch>
+        </p:blipFill>
+        <p:spPr>
+          <a:xfrm>
+            <a:off x="611560" y="2188062"/>
+            <a:ext cx="3943379" cy="2857521"/>
+          </a:xfrm>
+          <a:prstGeom prst="rect">
+            <a:avLst/>
+          </a:prstGeom>
+          <a:ln>
+            <a:noFill/>
+          </a:ln>
+          <a:effectLst>
+            <a:softEdge rad="112500"/>
+          </a:effectLst>
+        </p:spPr>
+      </p:pic>
+    </p:spTree>
+    <p:extLst>
+      <p:ext uri="{BB962C8B-B14F-4D97-AF65-F5344CB8AC3E}">
+        <p14:creationId xmlns:p14="http://schemas.microsoft.com/office/powerpoint/2010/main" val="1725376505"/>
+      </p:ext>
+    </p:extLst>
+  </p:cSld>
+  <p:clrMapOvr>
+    <a:masterClrMapping/>
+  </p:clrMapOvr>
+  <p:transition spd="slow">
+    <p:push dir="u"/>
+  </p:transition>
+</p:sld>
+</file>
+
 <file path=ppt/slides/slide14.xml><?xml version="1.0" encoding="utf-8"?>
 <p:sld xmlns:a="http://schemas.openxmlformats.org/drawingml/2006/main" xmlns:r="http://schemas.openxmlformats.org/officeDocument/2006/relationships" xmlns:p="http://schemas.openxmlformats.org/presentationml/2006/main">
   <p:cSld>
@@ -15478,7 +15487,7 @@
           <p:nvPr>
             <p:extLst>
               <p:ext uri="{D42A27DB-BD31-4B8C-83A1-F6EECF244321}">
-                <p14:modId xmlns:p14="http://schemas.microsoft.com/office/powerpoint/2010/main" val="3376029918"/>
+                <p14:modId xmlns:p14="http://schemas.microsoft.com/office/powerpoint/2010/main" val="3880109119"/>
               </p:ext>
             </p:extLst>
           </p:nvPr>
@@ -15898,15 +15907,7 @@
           <a:p>
             <a:r>
               <a:rPr lang="fr-FR" dirty="0"/>
-              <a:t>Objectif du 1</a:t>
-            </a:r>
-            <a:r>
-              <a:rPr lang="fr-FR" baseline="30000" dirty="0"/>
-              <a:t>er</a:t>
-            </a:r>
-            <a:r>
-              <a:rPr lang="fr-FR" dirty="0"/>
-              <a:t> semestre</a:t>
+              <a:t>Intro présentation de la coupe de France</a:t>
             </a:r>
           </a:p>
         </p:txBody>
@@ -15952,57 +15953,6 @@
             <a:r>
               <a:rPr lang="fr-FR"/>
               <a:t>Coupe de France de robotique</a:t>
-            </a:r>
-          </a:p>
-        </p:txBody>
-      </p:sp>
-      <p:sp>
-        <p:nvSpPr>
-          <p:cNvPr id="3" name="ZoneTexte 2"/>
-          <p:cNvSpPr txBox="1"/>
-          <p:nvPr/>
-        </p:nvSpPr>
-        <p:spPr>
-          <a:xfrm>
-            <a:off x="838200" y="2195017"/>
-            <a:ext cx="10515600" cy="1754326"/>
-          </a:xfrm>
-          <a:prstGeom prst="rect">
-            <a:avLst/>
-          </a:prstGeom>
-        </p:spPr>
-        <p:style>
-          <a:lnRef idx="2">
-            <a:schemeClr val="accent2"/>
-          </a:lnRef>
-          <a:fillRef idx="1">
-            <a:schemeClr val="lt1"/>
-          </a:fillRef>
-          <a:effectRef idx="0">
-            <a:schemeClr val="accent2"/>
-          </a:effectRef>
-          <a:fontRef idx="minor">
-            <a:schemeClr val="dk1"/>
-          </a:fontRef>
-        </p:style>
-        <p:txBody>
-          <a:bodyPr wrap="square" rtlCol="0">
-            <a:spAutoFit/>
-          </a:bodyPr>
-          <a:lstStyle/>
-          <a:p>
-            <a:pPr algn="ctr"/>
-            <a:r>
-              <a:rPr lang="fr-FR" sz="5400" dirty="0"/>
-              <a:t>Objectif du 1</a:t>
-            </a:r>
-            <a:r>
-              <a:rPr lang="fr-FR" sz="5400" baseline="30000" dirty="0"/>
-              <a:t>er</a:t>
-            </a:r>
-            <a:r>
-              <a:rPr lang="fr-FR" sz="5400" dirty="0"/>
-              <a:t> semestre : faire rouler le grand robot</a:t>
             </a:r>
           </a:p>
         </p:txBody>
@@ -16036,10 +15986,32 @@
           </a:prstGeom>
         </p:spPr>
       </p:pic>
+      <p:graphicFrame>
+        <p:nvGraphicFramePr>
+          <p:cNvPr id="5" name="Diagramme 4"/>
+          <p:cNvGraphicFramePr/>
+          <p:nvPr>
+            <p:extLst>
+              <p:ext uri="{D42A27DB-BD31-4B8C-83A1-F6EECF244321}">
+                <p14:modId xmlns:p14="http://schemas.microsoft.com/office/powerpoint/2010/main" val="390870858"/>
+              </p:ext>
+            </p:extLst>
+          </p:nvPr>
+        </p:nvGraphicFramePr>
+        <p:xfrm>
+          <a:off x="838200" y="1325563"/>
+          <a:ext cx="10515600" cy="4916760"/>
+        </p:xfrm>
+        <a:graphic>
+          <a:graphicData uri="http://schemas.openxmlformats.org/drawingml/2006/diagram">
+            <dgm:relIds xmlns:dgm="http://schemas.openxmlformats.org/drawingml/2006/diagram" xmlns:r="http://schemas.openxmlformats.org/officeDocument/2006/relationships" r:dm="rId4" r:lo="rId5" r:qs="rId6" r:cs="rId7"/>
+          </a:graphicData>
+        </a:graphic>
+      </p:graphicFrame>
     </p:spTree>
     <p:extLst>
       <p:ext uri="{BB962C8B-B14F-4D97-AF65-F5344CB8AC3E}">
-        <p14:creationId xmlns:p14="http://schemas.microsoft.com/office/powerpoint/2010/main" val="549661231"/>
+        <p14:creationId xmlns:p14="http://schemas.microsoft.com/office/powerpoint/2010/main" val="676823397"/>
       </p:ext>
     </p:extLst>
   </p:cSld>
@@ -16167,7 +16139,7 @@
           <a:p>
             <a:r>
               <a:rPr lang="fr-FR" dirty="0"/>
-              <a:t>Intro présentation de la coupe de France</a:t>
+              <a:t>Aire de jeu</a:t>
             </a:r>
           </a:p>
         </p:txBody>
@@ -16246,32 +16218,40 @@
           </a:prstGeom>
         </p:spPr>
       </p:pic>
-      <p:graphicFrame>
-        <p:nvGraphicFramePr>
-          <p:cNvPr id="5" name="Diagramme 4"/>
-          <p:cNvGraphicFramePr/>
-          <p:nvPr>
-            <p:extLst>
-              <p:ext uri="{D42A27DB-BD31-4B8C-83A1-F6EECF244321}">
-                <p14:modId xmlns:p14="http://schemas.microsoft.com/office/powerpoint/2010/main" val="390870858"/>
-              </p:ext>
-            </p:extLst>
-          </p:nvPr>
-        </p:nvGraphicFramePr>
-        <p:xfrm>
-          <a:off x="838200" y="1325563"/>
-          <a:ext cx="10515600" cy="4916760"/>
-        </p:xfrm>
-        <a:graphic>
-          <a:graphicData uri="http://schemas.openxmlformats.org/drawingml/2006/diagram">
-            <dgm:relIds xmlns:dgm="http://schemas.openxmlformats.org/drawingml/2006/diagram" xmlns:r="http://schemas.openxmlformats.org/officeDocument/2006/relationships" r:dm="rId4" r:lo="rId5" r:qs="rId6" r:cs="rId7"/>
-          </a:graphicData>
-        </a:graphic>
-      </p:graphicFrame>
+      <p:pic>
+        <p:nvPicPr>
+          <p:cNvPr id="3" name="Image 2"/>
+          <p:cNvPicPr>
+            <a:picLocks noChangeAspect="1"/>
+          </p:cNvPicPr>
+          <p:nvPr/>
+        </p:nvPicPr>
+        <p:blipFill>
+          <a:blip r:embed="rId4">
+            <a:extLst>
+              <a:ext uri="{28A0092B-C50C-407E-A947-70E740481C1C}">
+                <a14:useLocalDpi xmlns:a14="http://schemas.microsoft.com/office/drawing/2010/main" val="0"/>
+              </a:ext>
+            </a:extLst>
+          </a:blip>
+          <a:stretch>
+            <a:fillRect/>
+          </a:stretch>
+        </p:blipFill>
+        <p:spPr>
+          <a:xfrm>
+            <a:off x="1118493" y="1997612"/>
+            <a:ext cx="9955014" cy="3686689"/>
+          </a:xfrm>
+          <a:prstGeom prst="rect">
+            <a:avLst/>
+          </a:prstGeom>
+        </p:spPr>
+      </p:pic>
     </p:spTree>
     <p:extLst>
       <p:ext uri="{BB962C8B-B14F-4D97-AF65-F5344CB8AC3E}">
-        <p14:creationId xmlns:p14="http://schemas.microsoft.com/office/powerpoint/2010/main" val="676823397"/>
+        <p14:creationId xmlns:p14="http://schemas.microsoft.com/office/powerpoint/2010/main" val="3174007145"/>
       </p:ext>
     </p:extLst>
   </p:cSld>
@@ -16399,7 +16379,15 @@
           <a:p>
             <a:r>
               <a:rPr lang="fr-FR" dirty="0"/>
-              <a:t>Aire de jeu</a:t>
+              <a:t>Objectif du 1</a:t>
+            </a:r>
+            <a:r>
+              <a:rPr lang="fr-FR" baseline="30000" dirty="0"/>
+              <a:t>er</a:t>
+            </a:r>
+            <a:r>
+              <a:rPr lang="fr-FR" dirty="0"/>
+              <a:t> semestre</a:t>
             </a:r>
           </a:p>
         </p:txBody>
@@ -16445,6 +16433,57 @@
             <a:r>
               <a:rPr lang="fr-FR"/>
               <a:t>Coupe de France de robotique</a:t>
+            </a:r>
+          </a:p>
+        </p:txBody>
+      </p:sp>
+      <p:sp>
+        <p:nvSpPr>
+          <p:cNvPr id="3" name="ZoneTexte 2"/>
+          <p:cNvSpPr txBox="1"/>
+          <p:nvPr/>
+        </p:nvSpPr>
+        <p:spPr>
+          <a:xfrm>
+            <a:off x="838200" y="2195017"/>
+            <a:ext cx="10515600" cy="1754326"/>
+          </a:xfrm>
+          <a:prstGeom prst="rect">
+            <a:avLst/>
+          </a:prstGeom>
+        </p:spPr>
+        <p:style>
+          <a:lnRef idx="2">
+            <a:schemeClr val="accent2"/>
+          </a:lnRef>
+          <a:fillRef idx="1">
+            <a:schemeClr val="lt1"/>
+          </a:fillRef>
+          <a:effectRef idx="0">
+            <a:schemeClr val="accent2"/>
+          </a:effectRef>
+          <a:fontRef idx="minor">
+            <a:schemeClr val="dk1"/>
+          </a:fontRef>
+        </p:style>
+        <p:txBody>
+          <a:bodyPr wrap="square" rtlCol="0">
+            <a:spAutoFit/>
+          </a:bodyPr>
+          <a:lstStyle/>
+          <a:p>
+            <a:pPr algn="ctr"/>
+            <a:r>
+              <a:rPr lang="fr-FR" sz="5400" dirty="0"/>
+              <a:t>Objectif du 1</a:t>
+            </a:r>
+            <a:r>
+              <a:rPr lang="fr-FR" sz="5400" baseline="30000" dirty="0"/>
+              <a:t>er</a:t>
+            </a:r>
+            <a:r>
+              <a:rPr lang="fr-FR" sz="5400" dirty="0"/>
+              <a:t> semestre : faire rouler le robot</a:t>
             </a:r>
           </a:p>
         </p:txBody>
@@ -16478,40 +16517,10 @@
           </a:prstGeom>
         </p:spPr>
       </p:pic>
-      <p:pic>
-        <p:nvPicPr>
-          <p:cNvPr id="3" name="Image 2"/>
-          <p:cNvPicPr>
-            <a:picLocks noChangeAspect="1"/>
-          </p:cNvPicPr>
-          <p:nvPr/>
-        </p:nvPicPr>
-        <p:blipFill>
-          <a:blip r:embed="rId4">
-            <a:extLst>
-              <a:ext uri="{28A0092B-C50C-407E-A947-70E740481C1C}">
-                <a14:useLocalDpi xmlns:a14="http://schemas.microsoft.com/office/drawing/2010/main" val="0"/>
-              </a:ext>
-            </a:extLst>
-          </a:blip>
-          <a:stretch>
-            <a:fillRect/>
-          </a:stretch>
-        </p:blipFill>
-        <p:spPr>
-          <a:xfrm>
-            <a:off x="1118493" y="1997612"/>
-            <a:ext cx="9955014" cy="3686689"/>
-          </a:xfrm>
-          <a:prstGeom prst="rect">
-            <a:avLst/>
-          </a:prstGeom>
-        </p:spPr>
-      </p:pic>
     </p:spTree>
     <p:extLst>
       <p:ext uri="{BB962C8B-B14F-4D97-AF65-F5344CB8AC3E}">
-        <p14:creationId xmlns:p14="http://schemas.microsoft.com/office/powerpoint/2010/main" val="3174007145"/>
+        <p14:creationId xmlns:p14="http://schemas.microsoft.com/office/powerpoint/2010/main" val="549661231"/>
       </p:ext>
     </p:extLst>
   </p:cSld>
@@ -16766,7 +16775,7 @@
             </a:pPr>
             <a:r>
               <a:rPr lang="fr-FR" sz="4400" dirty="0"/>
-              <a:t>Les drivers</a:t>
+              <a:t>Les moteurs</a:t>
             </a:r>
           </a:p>
           <a:p>
@@ -16786,7 +16795,7 @@
             </a:pPr>
             <a:r>
               <a:rPr lang="fr-FR" sz="4400" dirty="0"/>
-              <a:t>Gestion de projet</a:t>
+              <a:t>Documentation</a:t>
             </a:r>
           </a:p>
           <a:p>
@@ -16926,7 +16935,7 @@
           <a:p>
             <a:r>
               <a:rPr lang="fr-FR" dirty="0"/>
-              <a:t>I.1 L’architecture du robot</a:t>
+              <a:t>I. L’architecture du robot</a:t>
             </a:r>
           </a:p>
         </p:txBody>
@@ -17005,29 +17014,51 @@
           </a:prstGeom>
         </p:spPr>
       </p:pic>
+      <p:graphicFrame>
+        <p:nvGraphicFramePr>
+          <p:cNvPr id="9" name="Diagramme 8"/>
+          <p:cNvGraphicFramePr/>
+          <p:nvPr>
+            <p:extLst>
+              <p:ext uri="{D42A27DB-BD31-4B8C-83A1-F6EECF244321}">
+                <p14:modId xmlns:p14="http://schemas.microsoft.com/office/powerpoint/2010/main" val="452643206"/>
+              </p:ext>
+            </p:extLst>
+          </p:nvPr>
+        </p:nvGraphicFramePr>
+        <p:xfrm>
+          <a:off x="611560" y="1613647"/>
+          <a:ext cx="2579315" cy="1496327"/>
+        </p:xfrm>
+        <a:graphic>
+          <a:graphicData uri="http://schemas.openxmlformats.org/drawingml/2006/diagram">
+            <dgm:relIds xmlns:dgm="http://schemas.openxmlformats.org/drawingml/2006/diagram" xmlns:r="http://schemas.openxmlformats.org/officeDocument/2006/relationships" r:dm="rId4" r:lo="rId5" r:qs="rId6" r:cs="rId7"/>
+          </a:graphicData>
+        </a:graphic>
+      </p:graphicFrame>
       <p:pic>
         <p:nvPicPr>
-          <p:cNvPr id="3" name="Image 2"/>
+          <p:cNvPr id="10" name="Image 9"/>
           <p:cNvPicPr>
             <a:picLocks noChangeAspect="1"/>
           </p:cNvPicPr>
           <p:nvPr/>
         </p:nvPicPr>
         <p:blipFill rotWithShape="1">
-          <a:blip r:embed="rId4">
+          <a:blip r:embed="rId9">
             <a:extLst>
               <a:ext uri="{28A0092B-C50C-407E-A947-70E740481C1C}">
                 <a14:useLocalDpi xmlns:a14="http://schemas.microsoft.com/office/drawing/2010/main" val="0"/>
               </a:ext>
             </a:extLst>
           </a:blip>
-          <a:srcRect b="12245"/>
+          <a:srcRect b="9756"/>
           <a:stretch/>
         </p:blipFill>
         <p:spPr>
           <a:xfrm>
-            <a:off x="4138357" y="1613647"/>
-            <a:ext cx="3915286" cy="4742703"/>
+            <a:off x="4508834" y="1816370"/>
+            <a:ext cx="3644566" cy="4539980"/>
           </a:xfrm>
           <a:prstGeom prst="rect">
             <a:avLst/>
@@ -17040,28 +17071,6 @@
           </a:effectLst>
         </p:spPr>
       </p:pic>
-      <p:graphicFrame>
-        <p:nvGraphicFramePr>
-          <p:cNvPr id="9" name="Diagramme 8"/>
-          <p:cNvGraphicFramePr/>
-          <p:nvPr>
-            <p:extLst>
-              <p:ext uri="{D42A27DB-BD31-4B8C-83A1-F6EECF244321}">
-                <p14:modId xmlns:p14="http://schemas.microsoft.com/office/powerpoint/2010/main" val="768849498"/>
-              </p:ext>
-            </p:extLst>
-          </p:nvPr>
-        </p:nvGraphicFramePr>
-        <p:xfrm>
-          <a:off x="611560" y="1613647"/>
-          <a:ext cx="2579315" cy="1496327"/>
-        </p:xfrm>
-        <a:graphic>
-          <a:graphicData uri="http://schemas.openxmlformats.org/drawingml/2006/diagram">
-            <dgm:relIds xmlns:dgm="http://schemas.openxmlformats.org/drawingml/2006/diagram" xmlns:r="http://schemas.openxmlformats.org/officeDocument/2006/relationships" r:dm="rId5" r:lo="rId6" r:qs="rId7" r:cs="rId8"/>
-          </a:graphicData>
-        </a:graphic>
-      </p:graphicFrame>
     </p:spTree>
     <p:extLst>
       <p:ext uri="{BB962C8B-B14F-4D97-AF65-F5344CB8AC3E}">
@@ -17096,7 +17105,7 @@
                             </p:stCondLst>
                             <p:childTnLst>
                               <p:par>
-                                <p:cTn id="5" presetID="6" presetClass="emph" presetSubtype="0" decel="5000" fill="hold" nodeType="clickEffect">
+                                <p:cTn id="5" presetID="6" presetClass="emph" presetSubtype="0" fill="hold" nodeType="clickEffect">
                                   <p:stCondLst>
                                     <p:cond delay="0"/>
                                   </p:stCondLst>
@@ -17105,10 +17114,10 @@
                                       <p:cBhvr>
                                         <p:cTn id="6" dur="1000" fill="hold"/>
                                         <p:tgtEl>
-                                          <p:spTgt spid="3"/>
+                                          <p:spTgt spid="10"/>
                                         </p:tgtEl>
                                       </p:cBhvr>
-                                      <p:by x="135000" y="135000"/>
+                                      <p:by x="140000" y="140000"/>
                                     </p:animScale>
                                   </p:childTnLst>
                                 </p:cTn>
@@ -17119,18 +17128,18 @@
                                     <p:cond delay="0"/>
                                   </p:stCondLst>
                                   <p:childTnLst>
-                                    <p:animMotion origin="layout" path="M 0 1.48148E-6 L 0 -0.06204 " pathEditMode="relative" rAng="0" ptsTypes="AA">
+                                    <p:animMotion origin="layout" path="M -8.33333E-7 -3.33333E-6 L -0.00078 -0.07245 " pathEditMode="relative" rAng="0" ptsTypes="AA">
                                       <p:cBhvr>
                                         <p:cTn id="8" dur="1000" fill="hold"/>
                                         <p:tgtEl>
-                                          <p:spTgt spid="3"/>
+                                          <p:spTgt spid="10"/>
                                         </p:tgtEl>
                                         <p:attrNameLst>
                                           <p:attrName>ppt_x</p:attrName>
                                           <p:attrName>ppt_y</p:attrName>
                                         </p:attrNameLst>
                                       </p:cBhvr>
-                                      <p:rCtr x="0" y="-3102"/>
+                                      <p:rCtr x="-39" y="-3634"/>
                                     </p:animMotion>
                                   </p:childTnLst>
                                 </p:cTn>
@@ -17279,10 +17288,7 @@
             </a:lvl1pPr>
           </a:lstStyle>
           <a:p>
-            <a:r>
-              <a:rPr lang="fr-FR" dirty="0"/>
-              <a:t>I.2 Le robot</a:t>
-            </a:r>
+            <a:endParaRPr lang="FR-FR"/>
           </a:p>
         </p:txBody>
       </p:sp>
@@ -17304,285 +17310,6 @@
             <a:fld id="{B99FFE2E-51A8-405A-BD00-B1F90CA3DCDC}" type="slidenum">
               <a:rPr lang="fr-FR" smtClean="0"/>
               <a:t>7</a:t>
-            </a:fld>
-            <a:endParaRPr lang="fr-FR"/>
-          </a:p>
-        </p:txBody>
-      </p:sp>
-      <p:sp>
-        <p:nvSpPr>
-          <p:cNvPr id="7" name="Espace réservé du pied de page 6"/>
-          <p:cNvSpPr>
-            <a:spLocks noGrp="1"/>
-          </p:cNvSpPr>
-          <p:nvPr>
-            <p:ph type="ftr" sz="quarter" idx="11"/>
-          </p:nvPr>
-        </p:nvSpPr>
-        <p:spPr/>
-        <p:txBody>
-          <a:bodyPr/>
-          <a:lstStyle/>
-          <a:p>
-            <a:r>
-              <a:rPr lang="fr-FR"/>
-              <a:t>Coupe de France de robotique</a:t>
-            </a:r>
-          </a:p>
-        </p:txBody>
-      </p:sp>
-      <p:pic>
-        <p:nvPicPr>
-          <p:cNvPr id="8" name="Image 7"/>
-          <p:cNvPicPr>
-            <a:picLocks noChangeAspect="1"/>
-          </p:cNvPicPr>
-          <p:nvPr/>
-        </p:nvPicPr>
-        <p:blipFill rotWithShape="1">
-          <a:blip r:embed="rId3" cstate="print">
-            <a:extLst>
-              <a:ext uri="{28A0092B-C50C-407E-A947-70E740481C1C}">
-                <a14:useLocalDpi xmlns:a14="http://schemas.microsoft.com/office/drawing/2010/main" val="0"/>
-              </a:ext>
-            </a:extLst>
-          </a:blip>
-          <a:srcRect l="6242" t="7410" r="6242" b="7410"/>
-          <a:stretch/>
-        </p:blipFill>
-        <p:spPr>
-          <a:xfrm>
-            <a:off x="10206487" y="59686"/>
-            <a:ext cx="1573880" cy="978137"/>
-          </a:xfrm>
-          <a:prstGeom prst="rect">
-            <a:avLst/>
-          </a:prstGeom>
-        </p:spPr>
-      </p:pic>
-      <p:pic>
-        <p:nvPicPr>
-          <p:cNvPr id="3" name="Image 2"/>
-          <p:cNvPicPr>
-            <a:picLocks noChangeAspect="1"/>
-          </p:cNvPicPr>
-          <p:nvPr/>
-        </p:nvPicPr>
-        <p:blipFill>
-          <a:blip r:embed="rId4">
-            <a:extLst>
-              <a:ext uri="{28A0092B-C50C-407E-A947-70E740481C1C}">
-                <a14:useLocalDpi xmlns:a14="http://schemas.microsoft.com/office/drawing/2010/main" val="0"/>
-              </a:ext>
-            </a:extLst>
-          </a:blip>
-          <a:stretch>
-            <a:fillRect/>
-          </a:stretch>
-        </p:blipFill>
-        <p:spPr>
-          <a:xfrm>
-            <a:off x="7059561" y="1914649"/>
-            <a:ext cx="4294239" cy="3404348"/>
-          </a:xfrm>
-          <a:prstGeom prst="rect">
-            <a:avLst/>
-          </a:prstGeom>
-          <a:ln>
-            <a:noFill/>
-          </a:ln>
-          <a:effectLst>
-            <a:softEdge rad="112500"/>
-          </a:effectLst>
-        </p:spPr>
-      </p:pic>
-      <p:pic>
-        <p:nvPicPr>
-          <p:cNvPr id="5" name="Image 4"/>
-          <p:cNvPicPr>
-            <a:picLocks noChangeAspect="1"/>
-          </p:cNvPicPr>
-          <p:nvPr/>
-        </p:nvPicPr>
-        <p:blipFill>
-          <a:blip r:embed="rId5">
-            <a:extLst>
-              <a:ext uri="{28A0092B-C50C-407E-A947-70E740481C1C}">
-                <a14:useLocalDpi xmlns:a14="http://schemas.microsoft.com/office/drawing/2010/main" val="0"/>
-              </a:ext>
-            </a:extLst>
-          </a:blip>
-          <a:stretch>
-            <a:fillRect/>
-          </a:stretch>
-        </p:blipFill>
-        <p:spPr>
-          <a:xfrm>
-            <a:off x="611560" y="2188062"/>
-            <a:ext cx="3943379" cy="2857521"/>
-          </a:xfrm>
-          <a:prstGeom prst="rect">
-            <a:avLst/>
-          </a:prstGeom>
-          <a:ln>
-            <a:noFill/>
-          </a:ln>
-          <a:effectLst>
-            <a:softEdge rad="112500"/>
-          </a:effectLst>
-        </p:spPr>
-      </p:pic>
-    </p:spTree>
-    <p:extLst>
-      <p:ext uri="{BB962C8B-B14F-4D97-AF65-F5344CB8AC3E}">
-        <p14:creationId xmlns:p14="http://schemas.microsoft.com/office/powerpoint/2010/main" val="1725376505"/>
-      </p:ext>
-    </p:extLst>
-  </p:cSld>
-  <p:clrMapOvr>
-    <a:masterClrMapping/>
-  </p:clrMapOvr>
-  <p:transition spd="slow">
-    <p:push dir="u"/>
-  </p:transition>
-</p:sld>
-</file>
-
-<file path=ppt/slides/slide8.xml><?xml version="1.0" encoding="utf-8"?>
-<p:sld xmlns:a="http://schemas.openxmlformats.org/drawingml/2006/main" xmlns:r="http://schemas.openxmlformats.org/officeDocument/2006/relationships" xmlns:p="http://schemas.openxmlformats.org/presentationml/2006/main">
-  <p:cSld>
-    <p:spTree>
-      <p:nvGrpSpPr>
-        <p:cNvPr id="1" name=""/>
-        <p:cNvGrpSpPr/>
-        <p:nvPr/>
-      </p:nvGrpSpPr>
-      <p:grpSpPr>
-        <a:xfrm>
-          <a:off x="0" y="0"/>
-          <a:ext cx="0" cy="0"/>
-          <a:chOff x="0" y="0"/>
-          <a:chExt cx="0" cy="0"/>
-        </a:xfrm>
-      </p:grpSpPr>
-      <p:cxnSp>
-        <p:nvCxnSpPr>
-          <p:cNvPr id="4" name="Connecteur droit 3"/>
-          <p:cNvCxnSpPr/>
-          <p:nvPr/>
-        </p:nvCxnSpPr>
-        <p:spPr>
-          <a:xfrm>
-            <a:off x="611560" y="1097508"/>
-            <a:ext cx="10742240" cy="0"/>
-          </a:xfrm>
-          <a:prstGeom prst="line">
-            <a:avLst/>
-          </a:prstGeom>
-          <a:ln w="41275">
-            <a:gradFill flip="none" rotWithShape="1">
-              <a:gsLst>
-                <a:gs pos="17000">
-                  <a:srgbClr val="FF0000">
-                    <a:alpha val="99000"/>
-                  </a:srgbClr>
-                </a:gs>
-                <a:gs pos="0">
-                  <a:schemeClr val="bg1"/>
-                </a:gs>
-                <a:gs pos="85000">
-                  <a:srgbClr val="FF0000"/>
-                </a:gs>
-                <a:gs pos="55000">
-                  <a:srgbClr val="C00000"/>
-                </a:gs>
-                <a:gs pos="100000">
-                  <a:schemeClr val="bg1"/>
-                </a:gs>
-              </a:gsLst>
-              <a:lin ang="0" scaled="1"/>
-              <a:tileRect/>
-            </a:gradFill>
-          </a:ln>
-        </p:spPr>
-        <p:style>
-          <a:lnRef idx="1">
-            <a:schemeClr val="accent1"/>
-          </a:lnRef>
-          <a:fillRef idx="0">
-            <a:schemeClr val="accent1"/>
-          </a:fillRef>
-          <a:effectRef idx="0">
-            <a:schemeClr val="accent1"/>
-          </a:effectRef>
-          <a:fontRef idx="minor">
-            <a:schemeClr val="tx1"/>
-          </a:fontRef>
-        </p:style>
-      </p:cxnSp>
-      <p:sp>
-        <p:nvSpPr>
-          <p:cNvPr id="6" name="Titre 1"/>
-          <p:cNvSpPr txBox="1">
-            <a:spLocks/>
-          </p:cNvSpPr>
-          <p:nvPr/>
-        </p:nvSpPr>
-        <p:spPr>
-          <a:xfrm>
-            <a:off x="838200" y="0"/>
-            <a:ext cx="10515600" cy="1325563"/>
-          </a:xfrm>
-          <a:prstGeom prst="rect">
-            <a:avLst/>
-          </a:prstGeom>
-        </p:spPr>
-        <p:txBody>
-          <a:bodyPr vert="horz" lIns="91440" tIns="45720" rIns="91440" bIns="45720" rtlCol="0" anchor="ctr">
-            <a:normAutofit/>
-          </a:bodyPr>
-          <a:lstStyle>
-            <a:lvl1pPr algn="l" defTabSz="914400" rtl="0" eaLnBrk="1" latinLnBrk="0" hangingPunct="1">
-              <a:lnSpc>
-                <a:spcPct val="90000"/>
-              </a:lnSpc>
-              <a:spcBef>
-                <a:spcPct val="0"/>
-              </a:spcBef>
-              <a:buNone/>
-              <a:defRPr sz="4400" kern="1200">
-                <a:solidFill>
-                  <a:schemeClr val="tx1"/>
-                </a:solidFill>
-                <a:latin typeface="+mj-lt"/>
-                <a:ea typeface="+mj-ea"/>
-                <a:cs typeface="+mj-cs"/>
-              </a:defRPr>
-            </a:lvl1pPr>
-          </a:lstStyle>
-          <a:p>
-            <a:endParaRPr lang="FR-FR"/>
-          </a:p>
-        </p:txBody>
-      </p:sp>
-      <p:sp>
-        <p:nvSpPr>
-          <p:cNvPr id="2" name="Espace réservé du numéro de diapositive 1"/>
-          <p:cNvSpPr>
-            <a:spLocks noGrp="1"/>
-          </p:cNvSpPr>
-          <p:nvPr>
-            <p:ph type="sldNum" sz="quarter" idx="12"/>
-          </p:nvPr>
-        </p:nvSpPr>
-        <p:spPr/>
-        <p:txBody>
-          <a:bodyPr/>
-          <a:lstStyle/>
-          <a:p>
-            <a:fld id="{B99FFE2E-51A8-405A-BD00-B1F90CA3DCDC}" type="slidenum">
-              <a:rPr lang="fr-FR" smtClean="0"/>
-              <a:t>8</a:t>
             </a:fld>
             <a:endParaRPr lang="fr-FR"/>
           </a:p>
@@ -17682,7 +17409,7 @@
           <a:p>
             <a:r>
               <a:rPr lang="FR-FR" dirty="0"/>
-              <a:t>II.1 Les menus de l’écran actuel</a:t>
+              <a:t>II.1 L’écran</a:t>
             </a:r>
           </a:p>
         </p:txBody>
@@ -17903,8 +17630,44 @@
         </p:blipFill>
         <p:spPr>
           <a:xfrm>
-            <a:off x="2662517" y="1325563"/>
+            <a:off x="1000875" y="1325563"/>
             <a:ext cx="6866965" cy="5150224"/>
+          </a:xfrm>
+          <a:prstGeom prst="rect">
+            <a:avLst/>
+          </a:prstGeom>
+          <a:ln>
+            <a:noFill/>
+          </a:ln>
+          <a:effectLst>
+            <a:softEdge rad="112500"/>
+          </a:effectLst>
+        </p:spPr>
+      </p:pic>
+      <p:pic>
+        <p:nvPicPr>
+          <p:cNvPr id="3" name="Image 2"/>
+          <p:cNvPicPr>
+            <a:picLocks noChangeAspect="1"/>
+          </p:cNvPicPr>
+          <p:nvPr/>
+        </p:nvPicPr>
+        <p:blipFill>
+          <a:blip r:embed="rId5">
+            <a:extLst>
+              <a:ext uri="{28A0092B-C50C-407E-A947-70E740481C1C}">
+                <a14:useLocalDpi xmlns:a14="http://schemas.microsoft.com/office/drawing/2010/main" val="0"/>
+              </a:ext>
+            </a:extLst>
+          </a:blip>
+          <a:stretch>
+            <a:fillRect/>
+          </a:stretch>
+        </p:blipFill>
+        <p:spPr>
+          <a:xfrm>
+            <a:off x="8405791" y="1444934"/>
+            <a:ext cx="2948009" cy="4305331"/>
           </a:xfrm>
           <a:prstGeom prst="rect">
             <a:avLst/>
@@ -17933,7 +17696,7 @@
 </p:sld>
 </file>
 
-<file path=ppt/slides/slide9.xml><?xml version="1.0" encoding="utf-8"?>
+<file path=ppt/slides/slide8.xml><?xml version="1.0" encoding="utf-8"?>
 <p:sld xmlns:a="http://schemas.openxmlformats.org/drawingml/2006/main" xmlns:r="http://schemas.openxmlformats.org/officeDocument/2006/relationships" xmlns:p="http://schemas.openxmlformats.org/presentationml/2006/main">
   <p:cSld>
     <p:spTree>
@@ -18067,7 +17830,7 @@
           <a:p>
             <a:fld id="{B99FFE2E-51A8-405A-BD00-B1F90CA3DCDC}" type="slidenum">
               <a:rPr lang="fr-FR" smtClean="0"/>
-              <a:t>9</a:t>
+              <a:t>8</a:t>
             </a:fld>
             <a:endParaRPr lang="fr-FR"/>
           </a:p>
@@ -18167,7 +17930,7 @@
           <a:p>
             <a:r>
               <a:rPr lang="FR-FR" dirty="0"/>
-              <a:t>II.2 L’écran </a:t>
+              <a:t>II.2 Les menus de l’écran actuel</a:t>
             </a:r>
           </a:p>
         </p:txBody>
@@ -18406,6 +18169,286 @@
     <p:extLst>
       <p:ext uri="{BB962C8B-B14F-4D97-AF65-F5344CB8AC3E}">
         <p14:creationId xmlns:p14="http://schemas.microsoft.com/office/powerpoint/2010/main" val="4126600122"/>
+      </p:ext>
+    </p:extLst>
+  </p:cSld>
+  <p:clrMapOvr>
+    <a:masterClrMapping/>
+  </p:clrMapOvr>
+  <p:transition spd="slow">
+    <p:push dir="u"/>
+  </p:transition>
+</p:sld>
+</file>
+
+<file path=ppt/slides/slide9.xml><?xml version="1.0" encoding="utf-8"?>
+<p:sld xmlns:a="http://schemas.openxmlformats.org/drawingml/2006/main" xmlns:r="http://schemas.openxmlformats.org/officeDocument/2006/relationships" xmlns:p="http://schemas.openxmlformats.org/presentationml/2006/main">
+  <p:cSld>
+    <p:spTree>
+      <p:nvGrpSpPr>
+        <p:cNvPr id="1" name=""/>
+        <p:cNvGrpSpPr/>
+        <p:nvPr/>
+      </p:nvGrpSpPr>
+      <p:grpSpPr>
+        <a:xfrm>
+          <a:off x="0" y="0"/>
+          <a:ext cx="0" cy="0"/>
+          <a:chOff x="0" y="0"/>
+          <a:chExt cx="0" cy="0"/>
+        </a:xfrm>
+      </p:grpSpPr>
+      <p:cxnSp>
+        <p:nvCxnSpPr>
+          <p:cNvPr id="4" name="Connecteur droit 3"/>
+          <p:cNvCxnSpPr/>
+          <p:nvPr/>
+        </p:nvCxnSpPr>
+        <p:spPr>
+          <a:xfrm>
+            <a:off x="611560" y="1097508"/>
+            <a:ext cx="10742240" cy="0"/>
+          </a:xfrm>
+          <a:prstGeom prst="line">
+            <a:avLst/>
+          </a:prstGeom>
+          <a:ln w="41275">
+            <a:gradFill flip="none" rotWithShape="1">
+              <a:gsLst>
+                <a:gs pos="17000">
+                  <a:srgbClr val="FF0000">
+                    <a:alpha val="99000"/>
+                  </a:srgbClr>
+                </a:gs>
+                <a:gs pos="0">
+                  <a:schemeClr val="bg1"/>
+                </a:gs>
+                <a:gs pos="85000">
+                  <a:srgbClr val="FF0000"/>
+                </a:gs>
+                <a:gs pos="55000">
+                  <a:srgbClr val="C00000"/>
+                </a:gs>
+                <a:gs pos="100000">
+                  <a:schemeClr val="bg1"/>
+                </a:gs>
+              </a:gsLst>
+              <a:lin ang="0" scaled="1"/>
+              <a:tileRect/>
+            </a:gradFill>
+          </a:ln>
+        </p:spPr>
+        <p:style>
+          <a:lnRef idx="1">
+            <a:schemeClr val="accent1"/>
+          </a:lnRef>
+          <a:fillRef idx="0">
+            <a:schemeClr val="accent1"/>
+          </a:fillRef>
+          <a:effectRef idx="0">
+            <a:schemeClr val="accent1"/>
+          </a:effectRef>
+          <a:fontRef idx="minor">
+            <a:schemeClr val="tx1"/>
+          </a:fontRef>
+        </p:style>
+      </p:cxnSp>
+      <p:sp>
+        <p:nvSpPr>
+          <p:cNvPr id="6" name="Titre 1"/>
+          <p:cNvSpPr txBox="1">
+            <a:spLocks/>
+          </p:cNvSpPr>
+          <p:nvPr/>
+        </p:nvSpPr>
+        <p:spPr>
+          <a:xfrm>
+            <a:off x="838200" y="0"/>
+            <a:ext cx="10515600" cy="1325563"/>
+          </a:xfrm>
+          <a:prstGeom prst="rect">
+            <a:avLst/>
+          </a:prstGeom>
+        </p:spPr>
+        <p:txBody>
+          <a:bodyPr vert="horz" lIns="91440" tIns="45720" rIns="91440" bIns="45720" rtlCol="0" anchor="ctr">
+            <a:normAutofit/>
+          </a:bodyPr>
+          <a:lstStyle>
+            <a:lvl1pPr algn="l" defTabSz="914400" rtl="0" eaLnBrk="1" latinLnBrk="0" hangingPunct="1">
+              <a:lnSpc>
+                <a:spcPct val="90000"/>
+              </a:lnSpc>
+              <a:spcBef>
+                <a:spcPct val="0"/>
+              </a:spcBef>
+              <a:buNone/>
+              <a:defRPr sz="4400" kern="1200">
+                <a:solidFill>
+                  <a:schemeClr val="tx1"/>
+                </a:solidFill>
+                <a:latin typeface="+mj-lt"/>
+                <a:ea typeface="+mj-ea"/>
+                <a:cs typeface="+mj-cs"/>
+              </a:defRPr>
+            </a:lvl1pPr>
+          </a:lstStyle>
+          <a:p>
+            <a:r>
+              <a:rPr lang="fr-FR" dirty="0"/>
+              <a:t>III. Les moteurs</a:t>
+            </a:r>
+          </a:p>
+        </p:txBody>
+      </p:sp>
+      <p:sp>
+        <p:nvSpPr>
+          <p:cNvPr id="2" name="Espace réservé du numéro de diapositive 1"/>
+          <p:cNvSpPr>
+            <a:spLocks noGrp="1"/>
+          </p:cNvSpPr>
+          <p:nvPr>
+            <p:ph type="sldNum" sz="quarter" idx="12"/>
+          </p:nvPr>
+        </p:nvSpPr>
+        <p:spPr/>
+        <p:txBody>
+          <a:bodyPr/>
+          <a:lstStyle/>
+          <a:p>
+            <a:fld id="{B99FFE2E-51A8-405A-BD00-B1F90CA3DCDC}" type="slidenum">
+              <a:rPr lang="fr-FR" smtClean="0"/>
+              <a:t>9</a:t>
+            </a:fld>
+            <a:endParaRPr lang="fr-FR"/>
+          </a:p>
+        </p:txBody>
+      </p:sp>
+      <p:sp>
+        <p:nvSpPr>
+          <p:cNvPr id="7" name="Espace réservé du pied de page 6"/>
+          <p:cNvSpPr>
+            <a:spLocks noGrp="1"/>
+          </p:cNvSpPr>
+          <p:nvPr>
+            <p:ph type="ftr" sz="quarter" idx="11"/>
+          </p:nvPr>
+        </p:nvSpPr>
+        <p:spPr/>
+        <p:txBody>
+          <a:bodyPr/>
+          <a:lstStyle/>
+          <a:p>
+            <a:r>
+              <a:rPr lang="fr-FR"/>
+              <a:t>Coupe de France de robotique</a:t>
+            </a:r>
+          </a:p>
+        </p:txBody>
+      </p:sp>
+      <p:pic>
+        <p:nvPicPr>
+          <p:cNvPr id="8" name="Image 7"/>
+          <p:cNvPicPr>
+            <a:picLocks noChangeAspect="1"/>
+          </p:cNvPicPr>
+          <p:nvPr/>
+        </p:nvPicPr>
+        <p:blipFill rotWithShape="1">
+          <a:blip r:embed="rId3" cstate="print">
+            <a:extLst>
+              <a:ext uri="{28A0092B-C50C-407E-A947-70E740481C1C}">
+                <a14:useLocalDpi xmlns:a14="http://schemas.microsoft.com/office/drawing/2010/main" val="0"/>
+              </a:ext>
+            </a:extLst>
+          </a:blip>
+          <a:srcRect l="6242" t="7410" r="6242" b="7410"/>
+          <a:stretch/>
+        </p:blipFill>
+        <p:spPr>
+          <a:xfrm>
+            <a:off x="10206487" y="59686"/>
+            <a:ext cx="1573880" cy="978137"/>
+          </a:xfrm>
+          <a:prstGeom prst="rect">
+            <a:avLst/>
+          </a:prstGeom>
+        </p:spPr>
+      </p:pic>
+      <p:pic>
+        <p:nvPicPr>
+          <p:cNvPr id="3" name="Image 2"/>
+          <p:cNvPicPr>
+            <a:picLocks noChangeAspect="1"/>
+          </p:cNvPicPr>
+          <p:nvPr/>
+        </p:nvPicPr>
+        <p:blipFill rotWithShape="1">
+          <a:blip r:embed="rId4" cstate="print">
+            <a:extLst>
+              <a:ext uri="{28A0092B-C50C-407E-A947-70E740481C1C}">
+                <a14:useLocalDpi xmlns:a14="http://schemas.microsoft.com/office/drawing/2010/main" val="0"/>
+              </a:ext>
+            </a:extLst>
+          </a:blip>
+          <a:srcRect r="28968"/>
+          <a:stretch/>
+        </p:blipFill>
+        <p:spPr>
+          <a:xfrm rot="5400000">
+            <a:off x="8433796" y="1294309"/>
+            <a:ext cx="3255631" cy="3437510"/>
+          </a:xfrm>
+          <a:prstGeom prst="rect">
+            <a:avLst/>
+          </a:prstGeom>
+          <a:ln>
+            <a:noFill/>
+          </a:ln>
+          <a:effectLst>
+            <a:softEdge rad="112500"/>
+          </a:effectLst>
+        </p:spPr>
+      </p:pic>
+      <p:pic>
+        <p:nvPicPr>
+          <p:cNvPr id="5" name="Image 4"/>
+          <p:cNvPicPr>
+            <a:picLocks noChangeAspect="1"/>
+          </p:cNvPicPr>
+          <p:nvPr/>
+        </p:nvPicPr>
+        <p:blipFill rotWithShape="1">
+          <a:blip r:embed="rId5">
+            <a:extLst>
+              <a:ext uri="{28A0092B-C50C-407E-A947-70E740481C1C}">
+                <a14:useLocalDpi xmlns:a14="http://schemas.microsoft.com/office/drawing/2010/main" val="0"/>
+              </a:ext>
+            </a:extLst>
+          </a:blip>
+          <a:srcRect l="1188"/>
+          <a:stretch/>
+        </p:blipFill>
+        <p:spPr>
+          <a:xfrm>
+            <a:off x="611560" y="1385248"/>
+            <a:ext cx="7200148" cy="4681572"/>
+          </a:xfrm>
+          <a:prstGeom prst="rect">
+            <a:avLst/>
+          </a:prstGeom>
+          <a:ln>
+            <a:noFill/>
+          </a:ln>
+          <a:effectLst>
+            <a:softEdge rad="31750"/>
+          </a:effectLst>
+        </p:spPr>
+      </p:pic>
+    </p:spTree>
+    <p:extLst>
+      <p:ext uri="{BB962C8B-B14F-4D97-AF65-F5344CB8AC3E}">
+        <p14:creationId xmlns:p14="http://schemas.microsoft.com/office/powerpoint/2010/main" val="508173759"/>
       </p:ext>
     </p:extLst>
   </p:cSld>
